--- a/Powerpoint Poster/ECE_BHAYANI_ABHA808.pptx
+++ b/Powerpoint Poster/ECE_BHAYANI_ABHA808.pptx
@@ -359,7 +359,7 @@
           </a:lstStyle>
           <a:p>
             <a:r>
-              <a:rPr lang="en-US" smtClean="0"/>
+              <a:rPr lang="en-US"/>
               <a:t>Click to edit Master title style</a:t>
             </a:r>
             <a:endParaRPr lang="en-US" dirty="0"/>
@@ -480,7 +480,7 @@
           </a:lstStyle>
           <a:p>
             <a:r>
-              <a:rPr lang="en-US" smtClean="0"/>
+              <a:rPr lang="en-US"/>
               <a:t>Click to edit Master subtitle style</a:t>
             </a:r>
             <a:endParaRPr lang="en-US" dirty="0"/>
@@ -504,7 +504,7 @@
           <a:p>
             <a:fld id="{F82F713A-5EB9-4B7A-B87D-F2B7940161AF}" type="datetimeFigureOut">
               <a:rPr lang="en-NZ" smtClean="0"/>
-              <a:t>12/02/2018</a:t>
+              <a:t>13/02/2018</a:t>
             </a:fld>
             <a:endParaRPr lang="en-NZ"/>
           </a:p>
@@ -603,7 +603,7 @@
           <a:lstStyle/>
           <a:p>
             <a:r>
-              <a:rPr lang="en-US" smtClean="0"/>
+              <a:rPr lang="en-US"/>
               <a:t>Click to edit Master title style</a:t>
             </a:r>
             <a:endParaRPr lang="en-US" dirty="0"/>
@@ -690,7 +690,7 @@
           </a:lstStyle>
           <a:p>
             <a:r>
-              <a:rPr lang="en-US" smtClean="0"/>
+              <a:rPr lang="en-US"/>
               <a:t>Click icon to add picture</a:t>
             </a:r>
             <a:endParaRPr lang="en-US" dirty="0"/>
@@ -747,7 +747,7 @@
           <a:p>
             <a:pPr lvl="0"/>
             <a:r>
-              <a:rPr lang="en-US" smtClean="0"/>
+              <a:rPr lang="en-US"/>
               <a:t>Click to edit Master text styles</a:t>
             </a:r>
           </a:p>
@@ -770,7 +770,7 @@
           <a:p>
             <a:fld id="{F82F713A-5EB9-4B7A-B87D-F2B7940161AF}" type="datetimeFigureOut">
               <a:rPr lang="en-NZ" smtClean="0"/>
-              <a:t>12/02/2018</a:t>
+              <a:t>13/02/2018</a:t>
             </a:fld>
             <a:endParaRPr lang="en-NZ"/>
           </a:p>
@@ -875,7 +875,7 @@
           </a:lstStyle>
           <a:p>
             <a:r>
-              <a:rPr lang="en-US" smtClean="0"/>
+              <a:rPr lang="en-US"/>
               <a:t>Click to edit Master title style</a:t>
             </a:r>
             <a:endParaRPr lang="en-US" dirty="0"/>
@@ -997,7 +997,7 @@
           <a:p>
             <a:pPr lvl="0"/>
             <a:r>
-              <a:rPr lang="en-US" smtClean="0"/>
+              <a:rPr lang="en-US"/>
               <a:t>Click to edit Master text styles</a:t>
             </a:r>
           </a:p>
@@ -1020,7 +1020,7 @@
           <a:p>
             <a:fld id="{F82F713A-5EB9-4B7A-B87D-F2B7940161AF}" type="datetimeFigureOut">
               <a:rPr lang="en-NZ" smtClean="0"/>
-              <a:t>12/02/2018</a:t>
+              <a:t>13/02/2018</a:t>
             </a:fld>
             <a:endParaRPr lang="en-NZ"/>
           </a:p>
@@ -1129,7 +1129,7 @@
           </a:lstStyle>
           <a:p>
             <a:r>
-              <a:rPr lang="en-US" smtClean="0"/>
+              <a:rPr lang="en-US"/>
               <a:t>Click to edit Master title style</a:t>
             </a:r>
             <a:endParaRPr lang="en-US" dirty="0"/>
@@ -1184,7 +1184,7 @@
           <a:p>
             <a:pPr lvl="0"/>
             <a:r>
-              <a:rPr lang="en-US" smtClean="0"/>
+              <a:rPr lang="en-US"/>
               <a:t>Click to edit Master text styles</a:t>
             </a:r>
           </a:p>
@@ -1305,7 +1305,7 @@
           <a:p>
             <a:pPr lvl="0"/>
             <a:r>
-              <a:rPr lang="en-US" smtClean="0"/>
+              <a:rPr lang="en-US"/>
               <a:t>Click to edit Master text styles</a:t>
             </a:r>
           </a:p>
@@ -1328,7 +1328,7 @@
           <a:p>
             <a:fld id="{F82F713A-5EB9-4B7A-B87D-F2B7940161AF}" type="datetimeFigureOut">
               <a:rPr lang="en-NZ" smtClean="0"/>
-              <a:t>12/02/2018</a:t>
+              <a:t>13/02/2018</a:t>
             </a:fld>
             <a:endParaRPr lang="en-NZ"/>
           </a:p>
@@ -1501,7 +1501,7 @@
           </a:lstStyle>
           <a:p>
             <a:r>
-              <a:rPr lang="en-US" smtClean="0"/>
+              <a:rPr lang="en-US"/>
               <a:t>Click to edit Master title style</a:t>
             </a:r>
             <a:endParaRPr lang="en-US" dirty="0"/>
@@ -1623,7 +1623,7 @@
           <a:p>
             <a:pPr lvl="0"/>
             <a:r>
-              <a:rPr lang="en-US" smtClean="0"/>
+              <a:rPr lang="en-US"/>
               <a:t>Click to edit Master text styles</a:t>
             </a:r>
           </a:p>
@@ -1646,7 +1646,7 @@
           <a:p>
             <a:fld id="{F82F713A-5EB9-4B7A-B87D-F2B7940161AF}" type="datetimeFigureOut">
               <a:rPr lang="en-NZ" smtClean="0"/>
-              <a:t>12/02/2018</a:t>
+              <a:t>13/02/2018</a:t>
             </a:fld>
             <a:endParaRPr lang="en-NZ"/>
           </a:p>
@@ -1755,7 +1755,7 @@
           </a:lstStyle>
           <a:p>
             <a:r>
-              <a:rPr lang="en-US" smtClean="0"/>
+              <a:rPr lang="en-US"/>
               <a:t>Click to edit Master title style</a:t>
             </a:r>
             <a:endParaRPr lang="en-US" dirty="0"/>
@@ -1804,7 +1804,7 @@
               <a:buNone/>
             </a:pPr>
             <a:r>
-              <a:rPr lang="en-US" smtClean="0"/>
+              <a:rPr lang="en-US"/>
               <a:t>Click to edit Master text styles</a:t>
             </a:r>
           </a:p>
@@ -1925,7 +1925,7 @@
           <a:p>
             <a:pPr lvl="0"/>
             <a:r>
-              <a:rPr lang="en-US" smtClean="0"/>
+              <a:rPr lang="en-US"/>
               <a:t>Click to edit Master text styles</a:t>
             </a:r>
           </a:p>
@@ -1948,7 +1948,7 @@
           <a:p>
             <a:fld id="{F82F713A-5EB9-4B7A-B87D-F2B7940161AF}" type="datetimeFigureOut">
               <a:rPr lang="en-NZ" smtClean="0"/>
-              <a:t>12/02/2018</a:t>
+              <a:t>13/02/2018</a:t>
             </a:fld>
             <a:endParaRPr lang="en-NZ"/>
           </a:p>
@@ -2122,7 +2122,7 @@
           <a:p>
             <a:pPr marL="0" lvl="0"/>
             <a:r>
-              <a:rPr lang="en-US" smtClean="0"/>
+              <a:rPr lang="en-US"/>
               <a:t>Click to edit Master title style</a:t>
             </a:r>
             <a:endParaRPr lang="en-US" dirty="0"/>
@@ -2171,7 +2171,7 @@
               <a:buNone/>
             </a:pPr>
             <a:r>
-              <a:rPr lang="en-US" smtClean="0"/>
+              <a:rPr lang="en-US"/>
               <a:t>Click to edit Master text styles</a:t>
             </a:r>
           </a:p>
@@ -2292,7 +2292,7 @@
           <a:p>
             <a:pPr lvl="0"/>
             <a:r>
-              <a:rPr lang="en-US" smtClean="0"/>
+              <a:rPr lang="en-US"/>
               <a:t>Click to edit Master text styles</a:t>
             </a:r>
           </a:p>
@@ -2315,7 +2315,7 @@
           <a:p>
             <a:fld id="{F82F713A-5EB9-4B7A-B87D-F2B7940161AF}" type="datetimeFigureOut">
               <a:rPr lang="en-NZ" smtClean="0"/>
-              <a:t>12/02/2018</a:t>
+              <a:t>13/02/2018</a:t>
             </a:fld>
             <a:endParaRPr lang="en-NZ"/>
           </a:p>
@@ -2420,7 +2420,7 @@
           </a:lstStyle>
           <a:p>
             <a:r>
-              <a:rPr lang="en-US" smtClean="0"/>
+              <a:rPr lang="en-US"/>
               <a:t>Click to edit Master title style</a:t>
             </a:r>
             <a:endParaRPr lang="en-US" dirty="0"/>
@@ -2449,35 +2449,35 @@
           <a:p>
             <a:pPr lvl="0"/>
             <a:r>
-              <a:rPr lang="en-US" smtClean="0"/>
+              <a:rPr lang="en-US"/>
               <a:t>Click to edit Master text styles</a:t>
             </a:r>
           </a:p>
           <a:p>
             <a:pPr lvl="1"/>
             <a:r>
-              <a:rPr lang="en-US" smtClean="0"/>
+              <a:rPr lang="en-US"/>
               <a:t>Second level</a:t>
             </a:r>
           </a:p>
           <a:p>
             <a:pPr lvl="2"/>
             <a:r>
-              <a:rPr lang="en-US" smtClean="0"/>
+              <a:rPr lang="en-US"/>
               <a:t>Third level</a:t>
             </a:r>
           </a:p>
           <a:p>
             <a:pPr lvl="3"/>
             <a:r>
-              <a:rPr lang="en-US" smtClean="0"/>
+              <a:rPr lang="en-US"/>
               <a:t>Fourth level</a:t>
             </a:r>
           </a:p>
           <a:p>
             <a:pPr lvl="4"/>
             <a:r>
-              <a:rPr lang="en-US" smtClean="0"/>
+              <a:rPr lang="en-US"/>
               <a:t>Fifth level</a:t>
             </a:r>
             <a:endParaRPr lang="en-US" dirty="0"/>
@@ -2501,7 +2501,7 @@
           <a:p>
             <a:fld id="{F82F713A-5EB9-4B7A-B87D-F2B7940161AF}" type="datetimeFigureOut">
               <a:rPr lang="en-NZ" smtClean="0"/>
-              <a:t>12/02/2018</a:t>
+              <a:t>13/02/2018</a:t>
             </a:fld>
             <a:endParaRPr lang="en-NZ"/>
           </a:p>
@@ -2606,7 +2606,7 @@
           </a:lstStyle>
           <a:p>
             <a:r>
-              <a:rPr lang="en-US" smtClean="0"/>
+              <a:rPr lang="en-US"/>
               <a:t>Click to edit Master title style</a:t>
             </a:r>
             <a:endParaRPr lang="en-US" dirty="0"/>
@@ -2635,35 +2635,35 @@
           <a:p>
             <a:pPr lvl="0"/>
             <a:r>
-              <a:rPr lang="en-US" smtClean="0"/>
+              <a:rPr lang="en-US"/>
               <a:t>Click to edit Master text styles</a:t>
             </a:r>
           </a:p>
           <a:p>
             <a:pPr lvl="1"/>
             <a:r>
-              <a:rPr lang="en-US" smtClean="0"/>
+              <a:rPr lang="en-US"/>
               <a:t>Second level</a:t>
             </a:r>
           </a:p>
           <a:p>
             <a:pPr lvl="2"/>
             <a:r>
-              <a:rPr lang="en-US" smtClean="0"/>
+              <a:rPr lang="en-US"/>
               <a:t>Third level</a:t>
             </a:r>
           </a:p>
           <a:p>
             <a:pPr lvl="3"/>
             <a:r>
-              <a:rPr lang="en-US" smtClean="0"/>
+              <a:rPr lang="en-US"/>
               <a:t>Fourth level</a:t>
             </a:r>
           </a:p>
           <a:p>
             <a:pPr lvl="4"/>
             <a:r>
-              <a:rPr lang="en-US" smtClean="0"/>
+              <a:rPr lang="en-US"/>
               <a:t>Fifth level</a:t>
             </a:r>
             <a:endParaRPr lang="en-US" dirty="0"/>
@@ -2687,7 +2687,7 @@
           <a:p>
             <a:fld id="{F82F713A-5EB9-4B7A-B87D-F2B7940161AF}" type="datetimeFigureOut">
               <a:rPr lang="en-NZ" smtClean="0"/>
-              <a:t>12/02/2018</a:t>
+              <a:t>13/02/2018</a:t>
             </a:fld>
             <a:endParaRPr lang="en-NZ"/>
           </a:p>
@@ -2786,7 +2786,7 @@
           <a:lstStyle/>
           <a:p>
             <a:r>
-              <a:rPr lang="en-US" smtClean="0"/>
+              <a:rPr lang="en-US"/>
               <a:t>Click to edit Master title style</a:t>
             </a:r>
             <a:endParaRPr lang="en-US" dirty="0"/>
@@ -2815,35 +2815,35 @@
           <a:p>
             <a:pPr lvl="0"/>
             <a:r>
-              <a:rPr lang="en-US" smtClean="0"/>
+              <a:rPr lang="en-US"/>
               <a:t>Click to edit Master text styles</a:t>
             </a:r>
           </a:p>
           <a:p>
             <a:pPr lvl="1"/>
             <a:r>
-              <a:rPr lang="en-US" smtClean="0"/>
+              <a:rPr lang="en-US"/>
               <a:t>Second level</a:t>
             </a:r>
           </a:p>
           <a:p>
             <a:pPr lvl="2"/>
             <a:r>
-              <a:rPr lang="en-US" smtClean="0"/>
+              <a:rPr lang="en-US"/>
               <a:t>Third level</a:t>
             </a:r>
           </a:p>
           <a:p>
             <a:pPr lvl="3"/>
             <a:r>
-              <a:rPr lang="en-US" smtClean="0"/>
+              <a:rPr lang="en-US"/>
               <a:t>Fourth level</a:t>
             </a:r>
           </a:p>
           <a:p>
             <a:pPr lvl="4"/>
             <a:r>
-              <a:rPr lang="en-US" smtClean="0"/>
+              <a:rPr lang="en-US"/>
               <a:t>Fifth level</a:t>
             </a:r>
             <a:endParaRPr lang="en-US" dirty="0"/>
@@ -2867,7 +2867,7 @@
           <a:p>
             <a:fld id="{F82F713A-5EB9-4B7A-B87D-F2B7940161AF}" type="datetimeFigureOut">
               <a:rPr lang="en-NZ" smtClean="0"/>
-              <a:t>12/02/2018</a:t>
+              <a:t>13/02/2018</a:t>
             </a:fld>
             <a:endParaRPr lang="en-NZ"/>
           </a:p>
@@ -2972,7 +2972,7 @@
           </a:lstStyle>
           <a:p>
             <a:r>
-              <a:rPr lang="en-US" smtClean="0"/>
+              <a:rPr lang="en-US"/>
               <a:t>Click to edit Master title style</a:t>
             </a:r>
             <a:endParaRPr lang="en-US" dirty="0"/>
@@ -3094,7 +3094,7 @@
           <a:p>
             <a:pPr lvl="0"/>
             <a:r>
-              <a:rPr lang="en-US" smtClean="0"/>
+              <a:rPr lang="en-US"/>
               <a:t>Click to edit Master text styles</a:t>
             </a:r>
           </a:p>
@@ -3117,7 +3117,7 @@
           <a:p>
             <a:fld id="{F82F713A-5EB9-4B7A-B87D-F2B7940161AF}" type="datetimeFigureOut">
               <a:rPr lang="en-NZ" smtClean="0"/>
-              <a:t>12/02/2018</a:t>
+              <a:t>13/02/2018</a:t>
             </a:fld>
             <a:endParaRPr lang="en-NZ"/>
           </a:p>
@@ -3222,7 +3222,7 @@
           </a:lstStyle>
           <a:p>
             <a:r>
-              <a:rPr lang="en-US" smtClean="0"/>
+              <a:rPr lang="en-US"/>
               <a:t>Click to edit Master title style</a:t>
             </a:r>
             <a:endParaRPr lang="en-US" dirty="0"/>
@@ -3253,35 +3253,35 @@
           <a:p>
             <a:pPr lvl="0"/>
             <a:r>
-              <a:rPr lang="en-US" smtClean="0"/>
+              <a:rPr lang="en-US"/>
               <a:t>Click to edit Master text styles</a:t>
             </a:r>
           </a:p>
           <a:p>
             <a:pPr lvl="1"/>
             <a:r>
-              <a:rPr lang="en-US" smtClean="0"/>
+              <a:rPr lang="en-US"/>
               <a:t>Second level</a:t>
             </a:r>
           </a:p>
           <a:p>
             <a:pPr lvl="2"/>
             <a:r>
-              <a:rPr lang="en-US" smtClean="0"/>
+              <a:rPr lang="en-US"/>
               <a:t>Third level</a:t>
             </a:r>
           </a:p>
           <a:p>
             <a:pPr lvl="3"/>
             <a:r>
-              <a:rPr lang="en-US" smtClean="0"/>
+              <a:rPr lang="en-US"/>
               <a:t>Fourth level</a:t>
             </a:r>
           </a:p>
           <a:p>
             <a:pPr lvl="4"/>
             <a:r>
-              <a:rPr lang="en-US" smtClean="0"/>
+              <a:rPr lang="en-US"/>
               <a:t>Fifth level</a:t>
             </a:r>
             <a:endParaRPr lang="en-US" dirty="0"/>
@@ -3312,35 +3312,35 @@
           <a:p>
             <a:pPr lvl="0"/>
             <a:r>
-              <a:rPr lang="en-US" smtClean="0"/>
+              <a:rPr lang="en-US"/>
               <a:t>Click to edit Master text styles</a:t>
             </a:r>
           </a:p>
           <a:p>
             <a:pPr lvl="1"/>
             <a:r>
-              <a:rPr lang="en-US" smtClean="0"/>
+              <a:rPr lang="en-US"/>
               <a:t>Second level</a:t>
             </a:r>
           </a:p>
           <a:p>
             <a:pPr lvl="2"/>
             <a:r>
-              <a:rPr lang="en-US" smtClean="0"/>
+              <a:rPr lang="en-US"/>
               <a:t>Third level</a:t>
             </a:r>
           </a:p>
           <a:p>
             <a:pPr lvl="3"/>
             <a:r>
-              <a:rPr lang="en-US" smtClean="0"/>
+              <a:rPr lang="en-US"/>
               <a:t>Fourth level</a:t>
             </a:r>
           </a:p>
           <a:p>
             <a:pPr lvl="4"/>
             <a:r>
-              <a:rPr lang="en-US" smtClean="0"/>
+              <a:rPr lang="en-US"/>
               <a:t>Fifth level</a:t>
             </a:r>
             <a:endParaRPr lang="en-US" dirty="0"/>
@@ -3364,7 +3364,7 @@
           <a:p>
             <a:fld id="{F82F713A-5EB9-4B7A-B87D-F2B7940161AF}" type="datetimeFigureOut">
               <a:rPr lang="en-NZ" smtClean="0"/>
-              <a:t>12/02/2018</a:t>
+              <a:t>13/02/2018</a:t>
             </a:fld>
             <a:endParaRPr lang="en-NZ"/>
           </a:p>
@@ -3469,7 +3469,7 @@
           </a:lstStyle>
           <a:p>
             <a:r>
-              <a:rPr lang="en-US" smtClean="0"/>
+              <a:rPr lang="en-US"/>
               <a:t>Click to edit Master title style</a:t>
             </a:r>
             <a:endParaRPr lang="en-US" dirty="0"/>
@@ -3541,7 +3541,7 @@
           <a:p>
             <a:pPr lvl="0"/>
             <a:r>
-              <a:rPr lang="en-US" smtClean="0"/>
+              <a:rPr lang="en-US"/>
               <a:t>Click to edit Master text styles</a:t>
             </a:r>
           </a:p>
@@ -3571,35 +3571,35 @@
           <a:p>
             <a:pPr lvl="0"/>
             <a:r>
-              <a:rPr lang="en-US" smtClean="0"/>
+              <a:rPr lang="en-US"/>
               <a:t>Click to edit Master text styles</a:t>
             </a:r>
           </a:p>
           <a:p>
             <a:pPr lvl="1"/>
             <a:r>
-              <a:rPr lang="en-US" smtClean="0"/>
+              <a:rPr lang="en-US"/>
               <a:t>Second level</a:t>
             </a:r>
           </a:p>
           <a:p>
             <a:pPr lvl="2"/>
             <a:r>
-              <a:rPr lang="en-US" smtClean="0"/>
+              <a:rPr lang="en-US"/>
               <a:t>Third level</a:t>
             </a:r>
           </a:p>
           <a:p>
             <a:pPr lvl="3"/>
             <a:r>
-              <a:rPr lang="en-US" smtClean="0"/>
+              <a:rPr lang="en-US"/>
               <a:t>Fourth level</a:t>
             </a:r>
           </a:p>
           <a:p>
             <a:pPr lvl="4"/>
             <a:r>
-              <a:rPr lang="en-US" smtClean="0"/>
+              <a:rPr lang="en-US"/>
               <a:t>Fifth level</a:t>
             </a:r>
             <a:endParaRPr lang="en-US" dirty="0"/>
@@ -3671,7 +3671,7 @@
           <a:p>
             <a:pPr lvl="0"/>
             <a:r>
-              <a:rPr lang="en-US" smtClean="0"/>
+              <a:rPr lang="en-US"/>
               <a:t>Click to edit Master text styles</a:t>
             </a:r>
           </a:p>
@@ -3701,35 +3701,35 @@
           <a:p>
             <a:pPr lvl="0"/>
             <a:r>
-              <a:rPr lang="en-US" smtClean="0"/>
+              <a:rPr lang="en-US"/>
               <a:t>Click to edit Master text styles</a:t>
             </a:r>
           </a:p>
           <a:p>
             <a:pPr lvl="1"/>
             <a:r>
-              <a:rPr lang="en-US" smtClean="0"/>
+              <a:rPr lang="en-US"/>
               <a:t>Second level</a:t>
             </a:r>
           </a:p>
           <a:p>
             <a:pPr lvl="2"/>
             <a:r>
-              <a:rPr lang="en-US" smtClean="0"/>
+              <a:rPr lang="en-US"/>
               <a:t>Third level</a:t>
             </a:r>
           </a:p>
           <a:p>
             <a:pPr lvl="3"/>
             <a:r>
-              <a:rPr lang="en-US" smtClean="0"/>
+              <a:rPr lang="en-US"/>
               <a:t>Fourth level</a:t>
             </a:r>
           </a:p>
           <a:p>
             <a:pPr lvl="4"/>
             <a:r>
-              <a:rPr lang="en-US" smtClean="0"/>
+              <a:rPr lang="en-US"/>
               <a:t>Fifth level</a:t>
             </a:r>
             <a:endParaRPr lang="en-US" dirty="0"/>
@@ -3753,7 +3753,7 @@
           <a:p>
             <a:fld id="{F82F713A-5EB9-4B7A-B87D-F2B7940161AF}" type="datetimeFigureOut">
               <a:rPr lang="en-NZ" smtClean="0"/>
-              <a:t>12/02/2018</a:t>
+              <a:t>13/02/2018</a:t>
             </a:fld>
             <a:endParaRPr lang="en-NZ"/>
           </a:p>
@@ -3858,7 +3858,7 @@
           </a:lstStyle>
           <a:p>
             <a:r>
-              <a:rPr lang="en-US" smtClean="0"/>
+              <a:rPr lang="en-US"/>
               <a:t>Click to edit Master title style</a:t>
             </a:r>
             <a:endParaRPr lang="en-US" dirty="0"/>
@@ -3882,7 +3882,7 @@
           <a:p>
             <a:fld id="{F82F713A-5EB9-4B7A-B87D-F2B7940161AF}" type="datetimeFigureOut">
               <a:rPr lang="en-NZ" smtClean="0"/>
-              <a:t>12/02/2018</a:t>
+              <a:t>13/02/2018</a:t>
             </a:fld>
             <a:endParaRPr lang="en-NZ"/>
           </a:p>
@@ -3977,7 +3977,7 @@
           <a:p>
             <a:fld id="{F82F713A-5EB9-4B7A-B87D-F2B7940161AF}" type="datetimeFigureOut">
               <a:rPr lang="en-NZ" smtClean="0"/>
-              <a:t>12/02/2018</a:t>
+              <a:t>13/02/2018</a:t>
             </a:fld>
             <a:endParaRPr lang="en-NZ"/>
           </a:p>
@@ -4082,7 +4082,7 @@
           </a:lstStyle>
           <a:p>
             <a:r>
-              <a:rPr lang="en-US" smtClean="0"/>
+              <a:rPr lang="en-US"/>
               <a:t>Click to edit Master title style</a:t>
             </a:r>
             <a:endParaRPr lang="en-US" dirty="0"/>
@@ -4113,35 +4113,35 @@
           <a:p>
             <a:pPr lvl="0"/>
             <a:r>
-              <a:rPr lang="en-US" smtClean="0"/>
+              <a:rPr lang="en-US"/>
               <a:t>Click to edit Master text styles</a:t>
             </a:r>
           </a:p>
           <a:p>
             <a:pPr lvl="1"/>
             <a:r>
-              <a:rPr lang="en-US" smtClean="0"/>
+              <a:rPr lang="en-US"/>
               <a:t>Second level</a:t>
             </a:r>
           </a:p>
           <a:p>
             <a:pPr lvl="2"/>
             <a:r>
-              <a:rPr lang="en-US" smtClean="0"/>
+              <a:rPr lang="en-US"/>
               <a:t>Third level</a:t>
             </a:r>
           </a:p>
           <a:p>
             <a:pPr lvl="3"/>
             <a:r>
-              <a:rPr lang="en-US" smtClean="0"/>
+              <a:rPr lang="en-US"/>
               <a:t>Fourth level</a:t>
             </a:r>
           </a:p>
           <a:p>
             <a:pPr lvl="4"/>
             <a:r>
-              <a:rPr lang="en-US" smtClean="0"/>
+              <a:rPr lang="en-US"/>
               <a:t>Fifth level</a:t>
             </a:r>
             <a:endParaRPr lang="en-US" dirty="0"/>
@@ -4209,7 +4209,7 @@
           <a:p>
             <a:pPr lvl="0"/>
             <a:r>
-              <a:rPr lang="en-US" smtClean="0"/>
+              <a:rPr lang="en-US"/>
               <a:t>Click to edit Master text styles</a:t>
             </a:r>
           </a:p>
@@ -4232,7 +4232,7 @@
           <a:p>
             <a:fld id="{F82F713A-5EB9-4B7A-B87D-F2B7940161AF}" type="datetimeFigureOut">
               <a:rPr lang="en-NZ" smtClean="0"/>
-              <a:t>12/02/2018</a:t>
+              <a:t>13/02/2018</a:t>
             </a:fld>
             <a:endParaRPr lang="en-NZ"/>
           </a:p>
@@ -4337,7 +4337,7 @@
           </a:lstStyle>
           <a:p>
             <a:r>
-              <a:rPr lang="en-US" smtClean="0"/>
+              <a:rPr lang="en-US"/>
               <a:t>Click to edit Master title style</a:t>
             </a:r>
             <a:endParaRPr lang="en-US" dirty="0"/>
@@ -4424,7 +4424,7 @@
           </a:lstStyle>
           <a:p>
             <a:r>
-              <a:rPr lang="en-US" smtClean="0"/>
+              <a:rPr lang="en-US"/>
               <a:t>Click icon to add picture</a:t>
             </a:r>
             <a:endParaRPr lang="en-US" dirty="0"/>
@@ -4492,7 +4492,7 @@
           <a:p>
             <a:pPr lvl="0"/>
             <a:r>
-              <a:rPr lang="en-US" smtClean="0"/>
+              <a:rPr lang="en-US"/>
               <a:t>Click to edit Master text styles</a:t>
             </a:r>
           </a:p>
@@ -4515,7 +4515,7 @@
           <a:p>
             <a:fld id="{F82F713A-5EB9-4B7A-B87D-F2B7940161AF}" type="datetimeFigureOut">
               <a:rPr lang="en-NZ" smtClean="0"/>
-              <a:t>12/02/2018</a:t>
+              <a:t>13/02/2018</a:t>
             </a:fld>
             <a:endParaRPr lang="en-NZ"/>
           </a:p>
@@ -4820,7 +4820,7 @@
           <a:lstStyle/>
           <a:p>
             <a:r>
-              <a:rPr lang="en-US" smtClean="0"/>
+              <a:rPr lang="en-US"/>
               <a:t>Click to edit Master title style</a:t>
             </a:r>
             <a:endParaRPr lang="en-US" dirty="0"/>
@@ -4854,35 +4854,35 @@
           <a:p>
             <a:pPr lvl="0"/>
             <a:r>
-              <a:rPr lang="en-US" smtClean="0"/>
+              <a:rPr lang="en-US"/>
               <a:t>Click to edit Master text styles</a:t>
             </a:r>
           </a:p>
           <a:p>
             <a:pPr lvl="1"/>
             <a:r>
-              <a:rPr lang="en-US" smtClean="0"/>
+              <a:rPr lang="en-US"/>
               <a:t>Second level</a:t>
             </a:r>
           </a:p>
           <a:p>
             <a:pPr lvl="2"/>
             <a:r>
-              <a:rPr lang="en-US" smtClean="0"/>
+              <a:rPr lang="en-US"/>
               <a:t>Third level</a:t>
             </a:r>
           </a:p>
           <a:p>
             <a:pPr lvl="3"/>
             <a:r>
-              <a:rPr lang="en-US" smtClean="0"/>
+              <a:rPr lang="en-US"/>
               <a:t>Fourth level</a:t>
             </a:r>
           </a:p>
           <a:p>
             <a:pPr lvl="4"/>
             <a:r>
-              <a:rPr lang="en-US" smtClean="0"/>
+              <a:rPr lang="en-US"/>
               <a:t>Fifth level</a:t>
             </a:r>
             <a:endParaRPr lang="en-US" dirty="0"/>
@@ -4926,7 +4926,7 @@
           <a:p>
             <a:fld id="{F82F713A-5EB9-4B7A-B87D-F2B7940161AF}" type="datetimeFigureOut">
               <a:rPr lang="en-NZ" smtClean="0"/>
-              <a:t>12/02/2018</a:t>
+              <a:t>13/02/2018</a:t>
             </a:fld>
             <a:endParaRPr lang="en-NZ"/>
           </a:p>
@@ -5505,51 +5505,7 @@
             <a:pPr algn="ctr"/>
             <a:r>
               <a:rPr lang="en-US" sz="6000" dirty="0"/>
-              <a:t>Educational </a:t>
-            </a:r>
-            <a:r>
-              <a:rPr lang="en-US" sz="6000" dirty="0" smtClean="0"/>
-              <a:t>Simulator </a:t>
-            </a:r>
-            <a:r>
-              <a:rPr lang="en-US" sz="6000" dirty="0"/>
-              <a:t>of </a:t>
-            </a:r>
-            <a:r>
-              <a:rPr lang="en-US" sz="6000" dirty="0" smtClean="0"/>
-              <a:t>Electric </a:t>
-            </a:r>
-            <a:r>
-              <a:rPr lang="en-US" sz="6000" dirty="0"/>
-              <a:t>C</a:t>
-            </a:r>
-            <a:r>
-              <a:rPr lang="en-US" sz="6000" dirty="0" smtClean="0"/>
-              <a:t>ircuits </a:t>
-            </a:r>
-            <a:r>
-              <a:rPr lang="en-US" sz="6000" dirty="0"/>
-              <a:t>U</a:t>
-            </a:r>
-            <a:r>
-              <a:rPr lang="en-US" sz="6000" dirty="0" smtClean="0"/>
-              <a:t>sing </a:t>
-            </a:r>
-            <a:r>
-              <a:rPr lang="en-US" sz="6000" dirty="0"/>
-              <a:t>G</a:t>
-            </a:r>
-            <a:r>
-              <a:rPr lang="en-US" sz="6000" dirty="0" smtClean="0"/>
-              <a:t>ame </a:t>
-            </a:r>
-            <a:r>
-              <a:rPr lang="en-US" sz="6000" dirty="0"/>
-              <a:t>E</a:t>
-            </a:r>
-            <a:r>
-              <a:rPr lang="en-US" sz="6000" dirty="0" smtClean="0"/>
-              <a:t>ngines</a:t>
+              <a:t>Educational Simulator of Electric Circuits Using Game Engines</a:t>
             </a:r>
             <a:endParaRPr lang="en-NZ" sz="6000" dirty="0"/>
           </a:p>
@@ -5593,10 +5549,10 @@
         </p:nvGrpSpPr>
         <p:grpSpPr>
           <a:xfrm>
-            <a:off x="774831" y="3633538"/>
-            <a:ext cx="17633485" cy="4211051"/>
-            <a:chOff x="774832" y="3633538"/>
-            <a:chExt cx="10587790" cy="7058275"/>
+            <a:off x="774833" y="3633538"/>
+            <a:ext cx="17633483" cy="4211051"/>
+            <a:chOff x="774833" y="3633538"/>
+            <a:chExt cx="10587789" cy="7058275"/>
           </a:xfrm>
         </p:grpSpPr>
         <p:sp>
@@ -5668,7 +5624,7 @@
             <a:p>
               <a:pPr algn="ctr"/>
               <a:r>
-                <a:rPr lang="en-NZ" sz="5400" dirty="0" smtClean="0">
+                <a:rPr lang="en-NZ" sz="5400" dirty="0">
                   <a:solidFill>
                     <a:schemeClr val="bg2">
                       <a:lumMod val="75000"/>
@@ -5677,13 +5633,6 @@
                 </a:rPr>
                 <a:t>Introduction</a:t>
               </a:r>
-              <a:endParaRPr lang="en-NZ" sz="5400" dirty="0">
-                <a:solidFill>
-                  <a:schemeClr val="bg2">
-                    <a:lumMod val="75000"/>
-                  </a:schemeClr>
-                </a:solidFill>
-              </a:endParaRPr>
             </a:p>
           </p:txBody>
         </p:sp>
@@ -5695,8 +5644,8 @@
           </p:nvSpPr>
           <p:spPr>
             <a:xfrm>
-              <a:off x="774832" y="5385042"/>
-              <a:ext cx="10587789" cy="4524315"/>
+              <a:off x="871304" y="5385042"/>
+              <a:ext cx="10491317" cy="5107152"/>
             </a:xfrm>
             <a:prstGeom prst="rect">
               <a:avLst/>
@@ -5710,60 +5659,17 @@
             <a:lstStyle/>
             <a:p>
               <a:r>
-                <a:rPr lang="en-US" sz="3200" dirty="0" smtClean="0">
+                <a:rPr lang="en-NZ" sz="3200" dirty="0">
                   <a:solidFill>
                     <a:schemeClr val="bg1"/>
                   </a:solidFill>
                 </a:rPr>
-                <a:t>Analysis </a:t>
+                <a:t>Many students in electrical and computer engineering find it difficult to comprehend and undertake steps to simplify electric circuits. The purpose of this simulator was to pave the way into developing a program which imitates the way that circuits work and allows students to create and interact with them to understand how they can be simplified. The interface of the program was also to be designed to be visually attractive to provide a more engaging experience for students.</a:t>
               </a:r>
-              <a:r>
-                <a:rPr lang="en-US" sz="3200" dirty="0">
-                  <a:solidFill>
-                    <a:schemeClr val="bg1"/>
-                  </a:solidFill>
-                </a:rPr>
-                <a:t>of electric circuits using different circuit theory methods is a challenging task to perceive by many students in electrical and computer engineering. This simulator will pave the way to develop a software that will visually imitate the working condition of electric circuits. A suitable game engine will be selected to build the simulator. Game engine will provide a visually attractive objects that can be interesting to learners.</a:t>
-              </a:r>
-              <a:endParaRPr lang="en-NZ" sz="3200" dirty="0">
-                <a:solidFill>
-                  <a:schemeClr val="bg1"/>
-                </a:solidFill>
-              </a:endParaRPr>
             </a:p>
           </p:txBody>
         </p:sp>
       </p:grpSp>
-      <p:pic>
-        <p:nvPicPr>
-          <p:cNvPr id="9" name="Picture 8"/>
-          <p:cNvPicPr>
-            <a:picLocks noChangeAspect="1"/>
-          </p:cNvPicPr>
-          <p:nvPr/>
-        </p:nvPicPr>
-        <p:blipFill>
-          <a:blip r:embed="rId3">
-            <a:extLst>
-              <a:ext uri="{28A0092B-C50C-407E-A947-70E740481C1C}">
-                <a14:useLocalDpi xmlns:a14="http://schemas.microsoft.com/office/drawing/2010/main" val="0"/>
-              </a:ext>
-            </a:extLst>
-          </a:blip>
-          <a:stretch>
-            <a:fillRect/>
-          </a:stretch>
-        </p:blipFill>
-        <p:spPr>
-          <a:xfrm>
-            <a:off x="19058899" y="3633538"/>
-            <a:ext cx="10585364" cy="5954266"/>
-          </a:xfrm>
-          <a:prstGeom prst="rect">
-            <a:avLst/>
-          </a:prstGeom>
-        </p:spPr>
-      </p:pic>
       <p:grpSp>
         <p:nvGrpSpPr>
           <p:cNvPr id="15" name="Group 14"/>
@@ -5847,7 +5753,7 @@
             <a:p>
               <a:pPr algn="ctr"/>
               <a:r>
-                <a:rPr lang="en-NZ" sz="5400" dirty="0" smtClean="0">
+                <a:rPr lang="en-NZ" sz="5400" dirty="0">
                   <a:solidFill>
                     <a:schemeClr val="bg2">
                       <a:lumMod val="75000"/>
@@ -5856,13 +5762,6 @@
                 </a:rPr>
                 <a:t>Conclusions and Future Work</a:t>
               </a:r>
-              <a:endParaRPr lang="en-NZ" sz="5400" dirty="0">
-                <a:solidFill>
-                  <a:schemeClr val="bg2">
-                    <a:lumMod val="75000"/>
-                  </a:schemeClr>
-                </a:solidFill>
-              </a:endParaRPr>
             </a:p>
           </p:txBody>
         </p:sp>
@@ -5875,7 +5774,7 @@
           <p:spPr>
             <a:xfrm>
               <a:off x="19299531" y="14623290"/>
-              <a:ext cx="10347157" cy="5016758"/>
+              <a:ext cx="10347157" cy="4826018"/>
             </a:xfrm>
             <a:prstGeom prst="rect">
               <a:avLst/>
@@ -5889,22 +5788,47 @@
             <a:lstStyle/>
             <a:p>
               <a:r>
-                <a:rPr lang="en-US" sz="3200" dirty="0" smtClean="0">
+                <a:rPr lang="en-US" sz="3100" dirty="0">
                   <a:solidFill>
                     <a:schemeClr val="bg1"/>
                   </a:solidFill>
                 </a:rPr>
-                <a:t>Analysis </a:t>
+                <a:t>The work towards this project so far has provided a way for students to develop and solve their own circuits by creating a grid structure in a text file. The program works to identify which parallel/series simplifications are valid, regardless of the input circuit. </a:t>
               </a:r>
+            </a:p>
+            <a:p>
+              <a:endParaRPr lang="en-US" sz="3100" dirty="0">
+                <a:solidFill>
+                  <a:schemeClr val="bg1"/>
+                </a:solidFill>
+              </a:endParaRPr>
+            </a:p>
+            <a:p>
               <a:r>
-                <a:rPr lang="en-US" sz="3200" dirty="0">
+                <a:rPr lang="en-US" sz="3100" dirty="0">
                   <a:solidFill>
                     <a:schemeClr val="bg1"/>
                   </a:solidFill>
                 </a:rPr>
-                <a:t>of electric circuits using different circuit theory methods is a challenging task to perceive by many students in electrical and computer engineering. This simulator will pave the way to develop a software that will visually imitate the working condition of electric circuits. A suitable game engine will be selected to build the simulator. Game engine will provide a visually attractive objects that can be interesting to learners.</a:t>
+                <a:t>Further work needs to be done to use the integrated </a:t>
               </a:r>
-              <a:endParaRPr lang="en-NZ" sz="3200" dirty="0">
+              <a:r>
+                <a:rPr lang="en-US" sz="3100" dirty="0" err="1">
+                  <a:solidFill>
+                    <a:schemeClr val="bg1"/>
+                  </a:solidFill>
+                </a:rPr>
+                <a:t>SpiceSharp</a:t>
+              </a:r>
+              <a:r>
+                <a:rPr lang="en-US" sz="3100" dirty="0">
+                  <a:solidFill>
+                    <a:schemeClr val="bg1"/>
+                  </a:solidFill>
+                </a:rPr>
+                <a:t> analysis tool to identify delta-y and y-delta transforms and appropriately handle them too.</a:t>
+              </a:r>
+              <a:endParaRPr lang="en-NZ" sz="3100" dirty="0">
                 <a:solidFill>
                   <a:schemeClr val="bg1"/>
                 </a:solidFill>
@@ -5986,7 +5910,7 @@
           <a:p>
             <a:pPr algn="ctr"/>
             <a:r>
-              <a:rPr lang="en-NZ" sz="5400" dirty="0" smtClean="0">
+              <a:rPr lang="en-NZ" sz="5400" dirty="0">
                 <a:solidFill>
                   <a:schemeClr val="bg2">
                     <a:lumMod val="75000"/>
@@ -5995,13 +5919,6 @@
               </a:rPr>
               <a:t>References</a:t>
             </a:r>
-            <a:endParaRPr lang="en-NZ" sz="5400" dirty="0">
-              <a:solidFill>
-                <a:schemeClr val="bg2">
-                  <a:lumMod val="75000"/>
-                </a:schemeClr>
-              </a:solidFill>
-            </a:endParaRPr>
           </a:p>
         </p:txBody>
       </p:sp>
@@ -6029,7 +5946,7 @@
           <a:p>
             <a:pPr algn="ctr"/>
             <a:r>
-              <a:rPr lang="en-NZ" sz="5400" dirty="0" smtClean="0">
+              <a:rPr lang="en-NZ" sz="5400" dirty="0">
                 <a:solidFill>
                   <a:schemeClr val="bg2">
                     <a:lumMod val="75000"/>
@@ -6038,13 +5955,6 @@
               </a:rPr>
               <a:t>Contact</a:t>
             </a:r>
-            <a:endParaRPr lang="en-NZ" sz="5400" dirty="0">
-              <a:solidFill>
-                <a:schemeClr val="bg2">
-                  <a:lumMod val="75000"/>
-                </a:schemeClr>
-              </a:solidFill>
-            </a:endParaRPr>
           </a:p>
         </p:txBody>
       </p:sp>
@@ -6072,7 +5982,7 @@
           <a:p>
             <a:pPr algn="ctr"/>
             <a:r>
-              <a:rPr lang="en-NZ" sz="2800" dirty="0" err="1" smtClean="0">
+              <a:rPr lang="en-NZ" sz="2800" dirty="0" err="1">
                 <a:solidFill>
                   <a:schemeClr val="bg1"/>
                 </a:solidFill>
@@ -6080,7 +5990,7 @@
               <a:t>Adil</a:t>
             </a:r>
             <a:r>
-              <a:rPr lang="en-NZ" sz="2800" dirty="0" smtClean="0">
+              <a:rPr lang="en-NZ" sz="2800" dirty="0">
                 <a:solidFill>
                   <a:schemeClr val="bg1"/>
                 </a:solidFill>
@@ -6088,7 +5998,7 @@
               <a:t> </a:t>
             </a:r>
             <a:r>
-              <a:rPr lang="en-NZ" sz="2800" dirty="0" err="1" smtClean="0">
+              <a:rPr lang="en-NZ" sz="2800" dirty="0" err="1">
                 <a:solidFill>
                   <a:schemeClr val="bg1"/>
                 </a:solidFill>
@@ -6096,20 +6006,12 @@
               <a:t>Bhayani</a:t>
             </a:r>
             <a:r>
-              <a:rPr lang="en-NZ" sz="2800" dirty="0" smtClean="0">
+              <a:rPr lang="en-NZ" sz="2800" dirty="0">
                 <a:solidFill>
                   <a:schemeClr val="bg1"/>
                 </a:solidFill>
               </a:rPr>
               <a:t>: abha808@aucklanduni.ac.nz</a:t>
-            </a:r>
-            <a:r>
-              <a:rPr lang="en-NZ" sz="2800" dirty="0">
-                <a:solidFill>
-                  <a:schemeClr val="bg1"/>
-                </a:solidFill>
-              </a:rPr>
-              <a:t/>
             </a:r>
             <a:br>
               <a:rPr lang="en-NZ" sz="2800" dirty="0">
@@ -6170,7 +6072,7 @@
           <a:p>
             <a:pPr algn="ctr"/>
             <a:r>
-              <a:rPr lang="en-NZ" sz="2800" dirty="0" smtClean="0">
+              <a:rPr lang="en-NZ" sz="2800" dirty="0">
                 <a:solidFill>
                   <a:schemeClr val="bg1"/>
                 </a:solidFill>
@@ -6178,7 +6080,7 @@
               <a:t>Sven Boulanger, </a:t>
             </a:r>
             <a:r>
-              <a:rPr lang="en-NZ" sz="2800" dirty="0" err="1" smtClean="0">
+              <a:rPr lang="en-NZ" sz="2800" dirty="0" err="1">
                 <a:solidFill>
                   <a:schemeClr val="bg1"/>
                 </a:solidFill>
@@ -6186,38 +6088,21 @@
               <a:t>SpiceSharp</a:t>
             </a:r>
             <a:r>
-              <a:rPr lang="en-NZ" sz="2800" dirty="0" smtClean="0">
+              <a:rPr lang="en-NZ" sz="2800" dirty="0">
                 <a:solidFill>
                   <a:schemeClr val="bg1"/>
                 </a:solidFill>
               </a:rPr>
-              <a:t>, (2018</a:t>
+              <a:t>, (2018), GitHub repository, </a:t>
             </a:r>
             <a:r>
               <a:rPr lang="en-NZ" sz="2800" dirty="0">
                 <a:solidFill>
                   <a:schemeClr val="bg1"/>
                 </a:solidFill>
+                <a:hlinkClick r:id="rId3"/>
               </a:rPr>
-              <a:t>), GitHub repository, </a:t>
-            </a:r>
-            <a:r>
-              <a:rPr lang="en-NZ" sz="2800" dirty="0">
-                <a:solidFill>
-                  <a:schemeClr val="bg1"/>
-                </a:solidFill>
-                <a:hlinkClick r:id="rId4"/>
-              </a:rPr>
-              <a:t>https://</a:t>
-            </a:r>
-            <a:r>
-              <a:rPr lang="en-NZ" sz="2800" dirty="0" smtClean="0">
-                <a:solidFill>
-                  <a:schemeClr val="bg1"/>
-                </a:solidFill>
-                <a:hlinkClick r:id="rId4"/>
-              </a:rPr>
-              <a:t>github.com/svenboulanger/SpiceSharp</a:t>
+              <a:t>https://github.com/svenboulanger/SpiceSharp</a:t>
             </a:r>
             <a:endParaRPr lang="en-NZ" sz="2800" dirty="0"/>
           </a:p>
@@ -6246,774 +6131,12 @@
           <a:lstStyle/>
           <a:p>
             <a:r>
-              <a:rPr lang="en-NZ" sz="2000" dirty="0" smtClean="0"/>
+              <a:rPr lang="en-NZ" sz="2000" dirty="0"/>
               <a:t>Figure 2 – Level 1 Design</a:t>
             </a:r>
-            <a:endParaRPr lang="en-NZ" sz="2000" dirty="0"/>
-          </a:p>
-        </p:txBody>
-      </p:sp>
-      <p:grpSp>
-        <p:nvGrpSpPr>
-          <p:cNvPr id="61" name="Group 60"/>
-          <p:cNvGrpSpPr/>
-          <p:nvPr/>
-        </p:nvGrpSpPr>
-        <p:grpSpPr>
-          <a:xfrm>
-            <a:off x="9021486" y="8338687"/>
-            <a:ext cx="9386828" cy="12443404"/>
-            <a:chOff x="9046428" y="8632754"/>
-            <a:chExt cx="9386828" cy="12246938"/>
-          </a:xfrm>
-        </p:grpSpPr>
-        <p:grpSp>
-          <p:nvGrpSpPr>
-            <p:cNvPr id="33" name="Group 32"/>
-            <p:cNvGrpSpPr/>
-            <p:nvPr/>
-          </p:nvGrpSpPr>
-          <p:grpSpPr>
-            <a:xfrm>
-              <a:off x="9046428" y="8632754"/>
-              <a:ext cx="9386828" cy="12246938"/>
-              <a:chOff x="9046428" y="8632754"/>
-              <a:chExt cx="9386828" cy="12246938"/>
-            </a:xfrm>
-          </p:grpSpPr>
-          <p:grpSp>
-            <p:nvGrpSpPr>
-              <p:cNvPr id="30" name="Group 29"/>
-              <p:cNvGrpSpPr/>
-              <p:nvPr/>
-            </p:nvGrpSpPr>
-            <p:grpSpPr>
-              <a:xfrm>
-                <a:off x="9046428" y="11819102"/>
-                <a:ext cx="9361886" cy="9060590"/>
-                <a:chOff x="9384631" y="8485286"/>
-                <a:chExt cx="9361886" cy="9060590"/>
-              </a:xfrm>
-            </p:grpSpPr>
-            <p:sp>
-              <p:nvSpPr>
-                <p:cNvPr id="23" name="Rounded Rectangle 22"/>
-                <p:cNvSpPr/>
-                <p:nvPr/>
-              </p:nvSpPr>
-              <p:spPr>
-                <a:xfrm>
-                  <a:off x="11706725" y="8485286"/>
-                  <a:ext cx="4379495" cy="1492870"/>
-                </a:xfrm>
-                <a:prstGeom prst="roundRect">
-                  <a:avLst/>
-                </a:prstGeom>
-                <a:solidFill>
-                  <a:schemeClr val="tx2">
-                    <a:lumMod val="40000"/>
-                    <a:lumOff val="60000"/>
-                  </a:schemeClr>
-                </a:solidFill>
-              </p:spPr>
-              <p:style>
-                <a:lnRef idx="2">
-                  <a:schemeClr val="accent1">
-                    <a:shade val="50000"/>
-                  </a:schemeClr>
-                </a:lnRef>
-                <a:fillRef idx="1">
-                  <a:schemeClr val="accent1"/>
-                </a:fillRef>
-                <a:effectRef idx="0">
-                  <a:schemeClr val="accent1"/>
-                </a:effectRef>
-                <a:fontRef idx="minor">
-                  <a:schemeClr val="lt1"/>
-                </a:fontRef>
-              </p:style>
-              <p:txBody>
-                <a:bodyPr rtlCol="0" anchor="ctr"/>
-                <a:lstStyle/>
-                <a:p>
-                  <a:pPr algn="ctr"/>
-                  <a:r>
-                    <a:rPr lang="en-NZ" sz="4000" dirty="0" smtClean="0">
-                      <a:solidFill>
-                        <a:schemeClr val="bg1"/>
-                      </a:solidFill>
-                    </a:rPr>
-                    <a:t>Text Based Circuit</a:t>
-                  </a:r>
-                  <a:endParaRPr lang="en-NZ" sz="4000" dirty="0">
-                    <a:solidFill>
-                      <a:srgbClr val="002060"/>
-                    </a:solidFill>
-                  </a:endParaRPr>
-                </a:p>
-              </p:txBody>
-            </p:sp>
-            <p:sp>
-              <p:nvSpPr>
-                <p:cNvPr id="25" name="Rounded Rectangle 24"/>
-                <p:cNvSpPr/>
-                <p:nvPr/>
-              </p:nvSpPr>
-              <p:spPr>
-                <a:xfrm>
-                  <a:off x="9384631" y="11009314"/>
-                  <a:ext cx="4331369" cy="1492870"/>
-                </a:xfrm>
-                <a:prstGeom prst="roundRect">
-                  <a:avLst/>
-                </a:prstGeom>
-                <a:solidFill>
-                  <a:schemeClr val="tx2">
-                    <a:lumMod val="40000"/>
-                    <a:lumOff val="60000"/>
-                  </a:schemeClr>
-                </a:solidFill>
-              </p:spPr>
-              <p:style>
-                <a:lnRef idx="2">
-                  <a:schemeClr val="accent1">
-                    <a:shade val="50000"/>
-                  </a:schemeClr>
-                </a:lnRef>
-                <a:fillRef idx="1">
-                  <a:schemeClr val="accent1"/>
-                </a:fillRef>
-                <a:effectRef idx="0">
-                  <a:schemeClr val="accent1"/>
-                </a:effectRef>
-                <a:fontRef idx="minor">
-                  <a:schemeClr val="lt1"/>
-                </a:fontRef>
-              </p:style>
-              <p:txBody>
-                <a:bodyPr rtlCol="0" anchor="ctr"/>
-                <a:lstStyle/>
-                <a:p>
-                  <a:pPr algn="ctr"/>
-                  <a:r>
-                    <a:rPr lang="en-NZ" sz="4000" dirty="0" smtClean="0">
-                      <a:solidFill>
-                        <a:srgbClr val="002060"/>
-                      </a:solidFill>
-                    </a:rPr>
-                    <a:t>Visual</a:t>
-                  </a:r>
-                </a:p>
-                <a:p>
-                  <a:pPr algn="ctr"/>
-                  <a:r>
-                    <a:rPr lang="en-NZ" sz="4000" dirty="0" smtClean="0">
-                      <a:solidFill>
-                        <a:srgbClr val="002060"/>
-                      </a:solidFill>
-                    </a:rPr>
-                    <a:t>Interpretation</a:t>
-                  </a:r>
-                  <a:endParaRPr lang="en-NZ" sz="4000" dirty="0">
-                    <a:solidFill>
-                      <a:srgbClr val="002060"/>
-                    </a:solidFill>
-                  </a:endParaRPr>
-                </a:p>
-              </p:txBody>
-            </p:sp>
-            <p:sp>
-              <p:nvSpPr>
-                <p:cNvPr id="27" name="Rounded Rectangle 26"/>
-                <p:cNvSpPr/>
-                <p:nvPr/>
-              </p:nvSpPr>
-              <p:spPr>
-                <a:xfrm>
-                  <a:off x="14411868" y="11009314"/>
-                  <a:ext cx="4334649" cy="1492870"/>
-                </a:xfrm>
-                <a:prstGeom prst="roundRect">
-                  <a:avLst/>
-                </a:prstGeom>
-                <a:solidFill>
-                  <a:schemeClr val="tx2">
-                    <a:lumMod val="40000"/>
-                    <a:lumOff val="60000"/>
-                  </a:schemeClr>
-                </a:solidFill>
-              </p:spPr>
-              <p:style>
-                <a:lnRef idx="2">
-                  <a:schemeClr val="accent1">
-                    <a:shade val="50000"/>
-                  </a:schemeClr>
-                </a:lnRef>
-                <a:fillRef idx="1">
-                  <a:schemeClr val="accent1"/>
-                </a:fillRef>
-                <a:effectRef idx="0">
-                  <a:schemeClr val="accent1"/>
-                </a:effectRef>
-                <a:fontRef idx="minor">
-                  <a:schemeClr val="lt1"/>
-                </a:fontRef>
-              </p:style>
-              <p:txBody>
-                <a:bodyPr rtlCol="0" anchor="ctr"/>
-                <a:lstStyle/>
-                <a:p>
-                  <a:pPr algn="ctr"/>
-                  <a:r>
-                    <a:rPr lang="en-NZ" sz="4000" dirty="0" err="1" smtClean="0">
-                      <a:solidFill>
-                        <a:srgbClr val="002060"/>
-                      </a:solidFill>
-                    </a:rPr>
-                    <a:t>SpiceSharp</a:t>
-                  </a:r>
-                  <a:r>
-                    <a:rPr lang="en-NZ" sz="4000" dirty="0" smtClean="0">
-                      <a:solidFill>
-                        <a:srgbClr val="002060"/>
-                      </a:solidFill>
-                    </a:rPr>
-                    <a:t> Circuit</a:t>
-                  </a:r>
-                  <a:endParaRPr lang="en-NZ" sz="4000" dirty="0">
-                    <a:solidFill>
-                      <a:srgbClr val="002060"/>
-                    </a:solidFill>
-                  </a:endParaRPr>
-                </a:p>
-              </p:txBody>
-            </p:sp>
-            <p:sp>
-              <p:nvSpPr>
-                <p:cNvPr id="28" name="Rounded Rectangle 27"/>
-                <p:cNvSpPr/>
-                <p:nvPr/>
-              </p:nvSpPr>
-              <p:spPr>
-                <a:xfrm>
-                  <a:off x="11815010" y="13531160"/>
-                  <a:ext cx="4162926" cy="1492870"/>
-                </a:xfrm>
-                <a:prstGeom prst="roundRect">
-                  <a:avLst/>
-                </a:prstGeom>
-                <a:solidFill>
-                  <a:schemeClr val="tx2">
-                    <a:lumMod val="40000"/>
-                    <a:lumOff val="60000"/>
-                  </a:schemeClr>
-                </a:solidFill>
-              </p:spPr>
-              <p:style>
-                <a:lnRef idx="2">
-                  <a:schemeClr val="accent1">
-                    <a:shade val="50000"/>
-                  </a:schemeClr>
-                </a:lnRef>
-                <a:fillRef idx="1">
-                  <a:schemeClr val="accent1"/>
-                </a:fillRef>
-                <a:effectRef idx="0">
-                  <a:schemeClr val="accent1"/>
-                </a:effectRef>
-                <a:fontRef idx="minor">
-                  <a:schemeClr val="lt1"/>
-                </a:fontRef>
-              </p:style>
-              <p:txBody>
-                <a:bodyPr rtlCol="0" anchor="ctr"/>
-                <a:lstStyle/>
-                <a:p>
-                  <a:pPr algn="ctr"/>
-                  <a:r>
-                    <a:rPr lang="en-NZ" sz="4000" dirty="0" smtClean="0">
-                      <a:solidFill>
-                        <a:srgbClr val="002060"/>
-                      </a:solidFill>
-                    </a:rPr>
-                    <a:t>Transform Validation</a:t>
-                  </a:r>
-                  <a:endParaRPr lang="en-NZ" sz="4000" dirty="0">
-                    <a:solidFill>
-                      <a:srgbClr val="002060"/>
-                    </a:solidFill>
-                  </a:endParaRPr>
-                </a:p>
-              </p:txBody>
-            </p:sp>
-            <p:sp>
-              <p:nvSpPr>
-                <p:cNvPr id="29" name="Rounded Rectangle 28"/>
-                <p:cNvSpPr/>
-                <p:nvPr/>
-              </p:nvSpPr>
-              <p:spPr>
-                <a:xfrm>
-                  <a:off x="11815010" y="16053006"/>
-                  <a:ext cx="4162926" cy="1492870"/>
-                </a:xfrm>
-                <a:prstGeom prst="roundRect">
-                  <a:avLst/>
-                </a:prstGeom>
-                <a:solidFill>
-                  <a:schemeClr val="tx2">
-                    <a:lumMod val="40000"/>
-                    <a:lumOff val="60000"/>
-                  </a:schemeClr>
-                </a:solidFill>
-              </p:spPr>
-              <p:style>
-                <a:lnRef idx="2">
-                  <a:schemeClr val="accent1">
-                    <a:shade val="50000"/>
-                  </a:schemeClr>
-                </a:lnRef>
-                <a:fillRef idx="1">
-                  <a:schemeClr val="accent1"/>
-                </a:fillRef>
-                <a:effectRef idx="0">
-                  <a:schemeClr val="accent1"/>
-                </a:effectRef>
-                <a:fontRef idx="minor">
-                  <a:schemeClr val="lt1"/>
-                </a:fontRef>
-              </p:style>
-              <p:txBody>
-                <a:bodyPr rtlCol="0" anchor="ctr"/>
-                <a:lstStyle/>
-                <a:p>
-                  <a:pPr algn="ctr"/>
-                  <a:r>
-                    <a:rPr lang="en-NZ" sz="4000" dirty="0" smtClean="0">
-                      <a:solidFill>
-                        <a:srgbClr val="002060"/>
-                      </a:solidFill>
-                    </a:rPr>
-                    <a:t>Circuit Modification</a:t>
-                  </a:r>
-                  <a:endParaRPr lang="en-NZ" sz="4000" dirty="0">
-                    <a:solidFill>
-                      <a:srgbClr val="002060"/>
-                    </a:solidFill>
-                  </a:endParaRPr>
-                </a:p>
-              </p:txBody>
-            </p:sp>
-          </p:grpSp>
-          <p:pic>
-            <p:nvPicPr>
-              <p:cNvPr id="32" name="Picture 31"/>
-              <p:cNvPicPr>
-                <a:picLocks noChangeAspect="1"/>
-              </p:cNvPicPr>
-              <p:nvPr/>
-            </p:nvPicPr>
-            <p:blipFill>
-              <a:blip r:embed="rId5">
-                <a:extLst>
-                  <a:ext uri="{28A0092B-C50C-407E-A947-70E740481C1C}">
-                    <a14:useLocalDpi xmlns:a14="http://schemas.microsoft.com/office/drawing/2010/main" val="0"/>
-                  </a:ext>
-                </a:extLst>
-              </a:blip>
-              <a:stretch>
-                <a:fillRect/>
-              </a:stretch>
-            </p:blipFill>
-            <p:spPr>
-              <a:xfrm>
-                <a:off x="9046428" y="8632754"/>
-                <a:ext cx="9386828" cy="1888765"/>
-              </a:xfrm>
-              <a:prstGeom prst="rect">
-                <a:avLst/>
-              </a:prstGeom>
-            </p:spPr>
-          </p:pic>
-        </p:grpSp>
-        <p:grpSp>
-          <p:nvGrpSpPr>
-            <p:cNvPr id="60" name="Group 59"/>
-            <p:cNvGrpSpPr/>
-            <p:nvPr/>
-          </p:nvGrpSpPr>
-          <p:grpSpPr>
-            <a:xfrm>
-              <a:off x="10104877" y="10742060"/>
-              <a:ext cx="6987441" cy="9266600"/>
-              <a:chOff x="10104877" y="10742060"/>
-              <a:chExt cx="6987441" cy="9266600"/>
-            </a:xfrm>
-          </p:grpSpPr>
-          <p:cxnSp>
-            <p:nvCxnSpPr>
-              <p:cNvPr id="35" name="Straight Arrow Connector 34"/>
-              <p:cNvCxnSpPr/>
-              <p:nvPr/>
-            </p:nvCxnSpPr>
-            <p:spPr>
-              <a:xfrm flipH="1">
-                <a:off x="13763684" y="10742060"/>
-                <a:ext cx="23842" cy="858682"/>
-              </a:xfrm>
-              <a:prstGeom prst="straightConnector1">
-                <a:avLst/>
-              </a:prstGeom>
-              <a:ln w="152400">
-                <a:solidFill>
-                  <a:schemeClr val="bg1"/>
-                </a:solidFill>
-                <a:tailEnd type="triangle"/>
-              </a:ln>
-            </p:spPr>
-            <p:style>
-              <a:lnRef idx="1">
-                <a:schemeClr val="accent1"/>
-              </a:lnRef>
-              <a:fillRef idx="0">
-                <a:schemeClr val="accent1"/>
-              </a:fillRef>
-              <a:effectRef idx="0">
-                <a:schemeClr val="accent1"/>
-              </a:effectRef>
-              <a:fontRef idx="minor">
-                <a:schemeClr val="tx1"/>
-              </a:fontRef>
-            </p:style>
-          </p:cxnSp>
-          <p:cxnSp>
-            <p:nvCxnSpPr>
-              <p:cNvPr id="41" name="Straight Arrow Connector 40"/>
-              <p:cNvCxnSpPr/>
-              <p:nvPr/>
-            </p:nvCxnSpPr>
-            <p:spPr>
-              <a:xfrm flipH="1">
-                <a:off x="11476807" y="13534696"/>
-                <a:ext cx="22338" cy="725768"/>
-              </a:xfrm>
-              <a:prstGeom prst="straightConnector1">
-                <a:avLst/>
-              </a:prstGeom>
-              <a:ln w="152400">
-                <a:solidFill>
-                  <a:schemeClr val="bg1"/>
-                </a:solidFill>
-                <a:tailEnd type="triangle"/>
-              </a:ln>
-            </p:spPr>
-            <p:style>
-              <a:lnRef idx="1">
-                <a:schemeClr val="accent1"/>
-              </a:lnRef>
-              <a:fillRef idx="0">
-                <a:schemeClr val="accent1"/>
-              </a:fillRef>
-              <a:effectRef idx="0">
-                <a:schemeClr val="accent1"/>
-              </a:effectRef>
-              <a:fontRef idx="minor">
-                <a:schemeClr val="tx1"/>
-              </a:fontRef>
-            </p:style>
-          </p:cxnSp>
-          <p:cxnSp>
-            <p:nvCxnSpPr>
-              <p:cNvPr id="43" name="Straight Arrow Connector 42"/>
-              <p:cNvCxnSpPr/>
-              <p:nvPr/>
-            </p:nvCxnSpPr>
-            <p:spPr>
-              <a:xfrm flipH="1">
-                <a:off x="15617395" y="13534696"/>
-                <a:ext cx="22338" cy="725768"/>
-              </a:xfrm>
-              <a:prstGeom prst="straightConnector1">
-                <a:avLst/>
-              </a:prstGeom>
-              <a:ln w="152400">
-                <a:solidFill>
-                  <a:schemeClr val="bg1"/>
-                </a:solidFill>
-                <a:tailEnd type="triangle"/>
-              </a:ln>
-            </p:spPr>
-            <p:style>
-              <a:lnRef idx="1">
-                <a:schemeClr val="accent1"/>
-              </a:lnRef>
-              <a:fillRef idx="0">
-                <a:schemeClr val="accent1"/>
-              </a:fillRef>
-              <a:effectRef idx="0">
-                <a:schemeClr val="accent1"/>
-              </a:effectRef>
-              <a:fontRef idx="minor">
-                <a:schemeClr val="tx1"/>
-              </a:fontRef>
-            </p:style>
-          </p:cxnSp>
-          <p:cxnSp>
-            <p:nvCxnSpPr>
-              <p:cNvPr id="44" name="Straight Arrow Connector 43"/>
-              <p:cNvCxnSpPr/>
-              <p:nvPr/>
-            </p:nvCxnSpPr>
-            <p:spPr>
-              <a:xfrm flipH="1">
-                <a:off x="15103401" y="15987604"/>
-                <a:ext cx="22338" cy="725768"/>
-              </a:xfrm>
-              <a:prstGeom prst="straightConnector1">
-                <a:avLst/>
-              </a:prstGeom>
-              <a:ln w="152400">
-                <a:solidFill>
-                  <a:schemeClr val="bg1"/>
-                </a:solidFill>
-                <a:tailEnd type="triangle"/>
-              </a:ln>
-            </p:spPr>
-            <p:style>
-              <a:lnRef idx="1">
-                <a:schemeClr val="accent1"/>
-              </a:lnRef>
-              <a:fillRef idx="0">
-                <a:schemeClr val="accent1"/>
-              </a:fillRef>
-              <a:effectRef idx="0">
-                <a:schemeClr val="accent1"/>
-              </a:effectRef>
-              <a:fontRef idx="minor">
-                <a:schemeClr val="tx1"/>
-              </a:fontRef>
-            </p:style>
-          </p:cxnSp>
-          <p:cxnSp>
-            <p:nvCxnSpPr>
-              <p:cNvPr id="45" name="Straight Arrow Connector 44"/>
-              <p:cNvCxnSpPr/>
-              <p:nvPr/>
-            </p:nvCxnSpPr>
-            <p:spPr>
-              <a:xfrm flipH="1">
-                <a:off x="11927989" y="15987604"/>
-                <a:ext cx="22338" cy="725768"/>
-              </a:xfrm>
-              <a:prstGeom prst="straightConnector1">
-                <a:avLst/>
-              </a:prstGeom>
-              <a:ln w="152400">
-                <a:solidFill>
-                  <a:schemeClr val="bg1"/>
-                </a:solidFill>
-                <a:tailEnd type="triangle"/>
-              </a:ln>
-            </p:spPr>
-            <p:style>
-              <a:lnRef idx="1">
-                <a:schemeClr val="accent1"/>
-              </a:lnRef>
-              <a:fillRef idx="0">
-                <a:schemeClr val="accent1"/>
-              </a:fillRef>
-              <a:effectRef idx="0">
-                <a:schemeClr val="accent1"/>
-              </a:effectRef>
-              <a:fontRef idx="minor">
-                <a:schemeClr val="tx1"/>
-              </a:fontRef>
-            </p:style>
-          </p:cxnSp>
-          <p:cxnSp>
-            <p:nvCxnSpPr>
-              <p:cNvPr id="46" name="Straight Arrow Connector 45"/>
-              <p:cNvCxnSpPr/>
-              <p:nvPr/>
-            </p:nvCxnSpPr>
-            <p:spPr>
-              <a:xfrm flipH="1">
-                <a:off x="13535931" y="18543815"/>
-                <a:ext cx="22338" cy="725768"/>
-              </a:xfrm>
-              <a:prstGeom prst="straightConnector1">
-                <a:avLst/>
-              </a:prstGeom>
-              <a:ln w="152400">
-                <a:solidFill>
-                  <a:schemeClr val="bg1"/>
-                </a:solidFill>
-                <a:tailEnd type="triangle"/>
-              </a:ln>
-            </p:spPr>
-            <p:style>
-              <a:lnRef idx="1">
-                <a:schemeClr val="accent1"/>
-              </a:lnRef>
-              <a:fillRef idx="0">
-                <a:schemeClr val="accent1"/>
-              </a:fillRef>
-              <a:effectRef idx="0">
-                <a:schemeClr val="accent1"/>
-              </a:effectRef>
-              <a:fontRef idx="minor">
-                <a:schemeClr val="tx1"/>
-              </a:fontRef>
-            </p:style>
-          </p:cxnSp>
-          <p:cxnSp>
-            <p:nvCxnSpPr>
-              <p:cNvPr id="47" name="Straight Arrow Connector 46"/>
-              <p:cNvCxnSpPr/>
-              <p:nvPr/>
-            </p:nvCxnSpPr>
-            <p:spPr>
-              <a:xfrm flipV="1">
-                <a:off x="17069867" y="16014833"/>
-                <a:ext cx="22451" cy="3956513"/>
-              </a:xfrm>
-              <a:prstGeom prst="straightConnector1">
-                <a:avLst/>
-              </a:prstGeom>
-              <a:ln w="152400">
-                <a:solidFill>
-                  <a:schemeClr val="bg1"/>
-                </a:solidFill>
-                <a:tailEnd type="triangle"/>
-              </a:ln>
-            </p:spPr>
-            <p:style>
-              <a:lnRef idx="1">
-                <a:schemeClr val="accent1"/>
-              </a:lnRef>
-              <a:fillRef idx="0">
-                <a:schemeClr val="accent1"/>
-              </a:fillRef>
-              <a:effectRef idx="0">
-                <a:schemeClr val="accent1"/>
-              </a:effectRef>
-              <a:fontRef idx="minor">
-                <a:schemeClr val="tx1"/>
-              </a:fontRef>
-            </p:style>
-          </p:cxnSp>
-          <p:cxnSp>
-            <p:nvCxnSpPr>
-              <p:cNvPr id="50" name="Straight Arrow Connector 49"/>
-              <p:cNvCxnSpPr/>
-              <p:nvPr/>
-            </p:nvCxnSpPr>
-            <p:spPr>
-              <a:xfrm flipV="1">
-                <a:off x="10104877" y="15987603"/>
-                <a:ext cx="22451" cy="3956513"/>
-              </a:xfrm>
-              <a:prstGeom prst="straightConnector1">
-                <a:avLst/>
-              </a:prstGeom>
-              <a:ln w="152400">
-                <a:solidFill>
-                  <a:schemeClr val="bg1"/>
-                </a:solidFill>
-                <a:tailEnd type="triangle"/>
-              </a:ln>
-            </p:spPr>
-            <p:style>
-              <a:lnRef idx="1">
-                <a:schemeClr val="accent1"/>
-              </a:lnRef>
-              <a:fillRef idx="0">
-                <a:schemeClr val="accent1"/>
-              </a:fillRef>
-              <a:effectRef idx="0">
-                <a:schemeClr val="accent1"/>
-              </a:effectRef>
-              <a:fontRef idx="minor">
-                <a:schemeClr val="tx1"/>
-              </a:fontRef>
-            </p:style>
-          </p:cxnSp>
-          <p:cxnSp>
-            <p:nvCxnSpPr>
-              <p:cNvPr id="52" name="Straight Connector 51"/>
-              <p:cNvCxnSpPr/>
-              <p:nvPr/>
-            </p:nvCxnSpPr>
-            <p:spPr>
-              <a:xfrm>
-                <a:off x="10104877" y="19998888"/>
-                <a:ext cx="1263645" cy="9772"/>
-              </a:xfrm>
-              <a:prstGeom prst="line">
-                <a:avLst/>
-              </a:prstGeom>
-              <a:ln w="152400">
-                <a:solidFill>
-                  <a:schemeClr val="bg1">
-                    <a:alpha val="60000"/>
-                  </a:schemeClr>
-                </a:solidFill>
-              </a:ln>
-            </p:spPr>
-            <p:style>
-              <a:lnRef idx="1">
-                <a:schemeClr val="accent1"/>
-              </a:lnRef>
-              <a:fillRef idx="0">
-                <a:schemeClr val="accent1"/>
-              </a:fillRef>
-              <a:effectRef idx="0">
-                <a:schemeClr val="accent1"/>
-              </a:effectRef>
-              <a:fontRef idx="minor">
-                <a:schemeClr val="tx1"/>
-              </a:fontRef>
-            </p:style>
-          </p:cxnSp>
-          <p:cxnSp>
-            <p:nvCxnSpPr>
-              <p:cNvPr id="53" name="Straight Connector 52"/>
-              <p:cNvCxnSpPr/>
-              <p:nvPr/>
-            </p:nvCxnSpPr>
-            <p:spPr>
-              <a:xfrm>
-                <a:off x="15798900" y="20008660"/>
-                <a:ext cx="1293418" cy="0"/>
-              </a:xfrm>
-              <a:prstGeom prst="line">
-                <a:avLst/>
-              </a:prstGeom>
-              <a:ln w="152400">
-                <a:solidFill>
-                  <a:schemeClr val="bg1">
-                    <a:alpha val="60000"/>
-                  </a:schemeClr>
-                </a:solidFill>
-              </a:ln>
-            </p:spPr>
-            <p:style>
-              <a:lnRef idx="1">
-                <a:schemeClr val="accent1"/>
-              </a:lnRef>
-              <a:fillRef idx="0">
-                <a:schemeClr val="accent1"/>
-              </a:fillRef>
-              <a:effectRef idx="0">
-                <a:schemeClr val="accent1"/>
-              </a:effectRef>
-              <a:fontRef idx="minor">
-                <a:schemeClr val="tx1"/>
-              </a:fontRef>
-            </p:style>
-          </p:cxnSp>
-        </p:grpSp>
-      </p:grpSp>
+          </a:p>
+        </p:txBody>
+      </p:sp>
       <p:grpSp>
         <p:nvGrpSpPr>
           <p:cNvPr id="62" name="Group 61"/>
@@ -7022,10 +6145,10 @@
         </p:nvGrpSpPr>
         <p:grpSpPr>
           <a:xfrm>
-            <a:off x="759167" y="10423917"/>
-            <a:ext cx="7924556" cy="10511029"/>
-            <a:chOff x="774832" y="3633538"/>
-            <a:chExt cx="10587790" cy="7058275"/>
+            <a:off x="759168" y="10423917"/>
+            <a:ext cx="8100888" cy="10511029"/>
+            <a:chOff x="774833" y="3633538"/>
+            <a:chExt cx="10823383" cy="7058275"/>
           </a:xfrm>
         </p:grpSpPr>
         <p:sp>
@@ -7097,7 +6220,7 @@
             <a:p>
               <a:pPr algn="ctr"/>
               <a:r>
-                <a:rPr lang="en-NZ" sz="5400" dirty="0" smtClean="0">
+                <a:rPr lang="en-NZ" sz="5400" dirty="0">
                   <a:solidFill>
                     <a:schemeClr val="bg2">
                       <a:lumMod val="75000"/>
@@ -7106,13 +6229,6 @@
                 </a:rPr>
                 <a:t>The Design</a:t>
               </a:r>
-              <a:endParaRPr lang="en-NZ" sz="5400" dirty="0">
-                <a:solidFill>
-                  <a:schemeClr val="bg2">
-                    <a:lumMod val="75000"/>
-                  </a:schemeClr>
-                </a:solidFill>
-              </a:endParaRPr>
             </a:p>
           </p:txBody>
         </p:sp>
@@ -7124,8 +6240,8 @@
           </p:nvSpPr>
           <p:spPr>
             <a:xfrm>
-              <a:off x="774832" y="5385042"/>
-              <a:ext cx="10587789" cy="4524315"/>
+              <a:off x="1010427" y="4253565"/>
+              <a:ext cx="10587789" cy="6344936"/>
             </a:xfrm>
             <a:prstGeom prst="rect">
               <a:avLst/>
@@ -7139,26 +6255,80 @@
             <a:lstStyle/>
             <a:p>
               <a:r>
-                <a:rPr lang="en-US" sz="3200" dirty="0" smtClean="0">
+                <a:rPr lang="en-NZ" sz="3200" dirty="0">
                   <a:solidFill>
                     <a:schemeClr val="bg1"/>
                   </a:solidFill>
                 </a:rPr>
-                <a:t>Analysis </a:t>
+                <a:t>The tool was to be made in a manner which allows students to not only work with instructor provided circuits, but also be able to create their own in a non-technical manner.  As a base product this meant that the program must be capable of:</a:t>
               </a:r>
+            </a:p>
+            <a:p>
+              <a:endParaRPr lang="en-NZ" sz="3200" dirty="0">
+                <a:solidFill>
+                  <a:schemeClr val="bg1"/>
+                </a:solidFill>
+              </a:endParaRPr>
+            </a:p>
+            <a:p>
               <a:r>
-                <a:rPr lang="en-US" sz="3200" dirty="0">
+                <a:rPr lang="en-NZ" sz="3200" dirty="0">
                   <a:solidFill>
                     <a:schemeClr val="bg1"/>
                   </a:solidFill>
                 </a:rPr>
-                <a:t>of electric circuits using different circuit theory methods is a challenging task to perceive by many students in electrical and computer engineering. This simulator will pave the way to develop a software that will visually imitate the working condition of electric circuits. A suitable game engine will be selected to build the simulator. Game engine will provide a visually attractive objects that can be interesting to learners.</a:t>
+                <a:t>•Providing a way of interpreting user created text files into graphical circuits on screen.</a:t>
               </a:r>
+            </a:p>
+            <a:p>
               <a:endParaRPr lang="en-NZ" sz="3200" dirty="0">
                 <a:solidFill>
                   <a:schemeClr val="bg1"/>
                 </a:solidFill>
               </a:endParaRPr>
+            </a:p>
+            <a:p>
+              <a:r>
+                <a:rPr lang="en-NZ" sz="3200" dirty="0">
+                  <a:solidFill>
+                    <a:schemeClr val="bg1"/>
+                  </a:solidFill>
+                </a:rPr>
+                <a:t>•Being able to analyse any circuit to view possible simplifications.</a:t>
+              </a:r>
+            </a:p>
+            <a:p>
+              <a:endParaRPr lang="en-NZ" sz="3200" dirty="0">
+                <a:solidFill>
+                  <a:schemeClr val="bg1"/>
+                </a:solidFill>
+              </a:endParaRPr>
+            </a:p>
+            <a:p>
+              <a:r>
+                <a:rPr lang="en-NZ" sz="3200" dirty="0">
+                  <a:solidFill>
+                    <a:schemeClr val="bg1"/>
+                  </a:solidFill>
+                </a:rPr>
+                <a:t>A derivative of Spice – The circuit analyser – </a:t>
+              </a:r>
+              <a:r>
+                <a:rPr lang="en-NZ" sz="3200" dirty="0" err="1">
+                  <a:solidFill>
+                    <a:schemeClr val="bg1"/>
+                  </a:solidFill>
+                </a:rPr>
+                <a:t>SpiceSharp</a:t>
+              </a:r>
+              <a:r>
+                <a:rPr lang="en-NZ" sz="3200" dirty="0">
+                  <a:solidFill>
+                    <a:schemeClr val="bg1"/>
+                  </a:solidFill>
+                </a:rPr>
+                <a:t> was integrated into Unity to allow for validating which simplifications were valid.</a:t>
+              </a:r>
             </a:p>
           </p:txBody>
         </p:sp>
@@ -7172,7 +6342,7 @@
           <p:nvPr/>
         </p:nvPicPr>
         <p:blipFill>
-          <a:blip r:embed="rId6" cstate="print">
+          <a:blip r:embed="rId4" cstate="print">
             <a:duotone>
               <a:prstClr val="black"/>
               <a:srgbClr val="002060">
@@ -7203,6 +6373,868 @@
           <a:extLst/>
         </p:spPr>
       </p:pic>
+      <p:grpSp>
+        <p:nvGrpSpPr>
+          <p:cNvPr id="17" name="Group 16">
+            <a:extLst>
+              <a:ext uri="{FF2B5EF4-FFF2-40B4-BE49-F238E27FC236}">
+                <a16:creationId xmlns:a16="http://schemas.microsoft.com/office/drawing/2014/main" id="{9367B447-C1E1-4374-AA0E-2E5D18958A89}"/>
+              </a:ext>
+            </a:extLst>
+          </p:cNvPr>
+          <p:cNvGrpSpPr/>
+          <p:nvPr/>
+        </p:nvGrpSpPr>
+        <p:grpSpPr>
+          <a:xfrm>
+            <a:off x="9076754" y="8127188"/>
+            <a:ext cx="9361886" cy="12512017"/>
+            <a:chOff x="9021486" y="8270072"/>
+            <a:chExt cx="9361886" cy="12512017"/>
+          </a:xfrm>
+        </p:grpSpPr>
+        <p:grpSp>
+          <p:nvGrpSpPr>
+            <p:cNvPr id="2" name="Group 1">
+              <a:extLst>
+                <a:ext uri="{FF2B5EF4-FFF2-40B4-BE49-F238E27FC236}">
+                  <a16:creationId xmlns:a16="http://schemas.microsoft.com/office/drawing/2014/main" id="{0A67AB0A-D4CB-4062-98C8-47251395A161}"/>
+                </a:ext>
+              </a:extLst>
+            </p:cNvPr>
+            <p:cNvGrpSpPr/>
+            <p:nvPr/>
+          </p:nvGrpSpPr>
+          <p:grpSpPr>
+            <a:xfrm>
+              <a:off x="9021486" y="10481831"/>
+              <a:ext cx="9361886" cy="10300258"/>
+              <a:chOff x="9021486" y="10481831"/>
+              <a:chExt cx="9361886" cy="10300258"/>
+            </a:xfrm>
+          </p:grpSpPr>
+          <p:grpSp>
+            <p:nvGrpSpPr>
+              <p:cNvPr id="30" name="Group 29"/>
+              <p:cNvGrpSpPr/>
+              <p:nvPr/>
+            </p:nvGrpSpPr>
+            <p:grpSpPr>
+              <a:xfrm>
+                <a:off x="9021486" y="11576149"/>
+                <a:ext cx="9361886" cy="9205940"/>
+                <a:chOff x="9384631" y="8485286"/>
+                <a:chExt cx="9361886" cy="9060590"/>
+              </a:xfrm>
+            </p:grpSpPr>
+            <p:sp>
+              <p:nvSpPr>
+                <p:cNvPr id="23" name="Rounded Rectangle 22"/>
+                <p:cNvSpPr/>
+                <p:nvPr/>
+              </p:nvSpPr>
+              <p:spPr>
+                <a:xfrm>
+                  <a:off x="11706725" y="8485286"/>
+                  <a:ext cx="4379495" cy="1492870"/>
+                </a:xfrm>
+                <a:prstGeom prst="roundRect">
+                  <a:avLst/>
+                </a:prstGeom>
+                <a:solidFill>
+                  <a:schemeClr val="tx2">
+                    <a:lumMod val="40000"/>
+                    <a:lumOff val="60000"/>
+                  </a:schemeClr>
+                </a:solidFill>
+              </p:spPr>
+              <p:style>
+                <a:lnRef idx="2">
+                  <a:schemeClr val="accent1">
+                    <a:shade val="50000"/>
+                  </a:schemeClr>
+                </a:lnRef>
+                <a:fillRef idx="1">
+                  <a:schemeClr val="accent1"/>
+                </a:fillRef>
+                <a:effectRef idx="0">
+                  <a:schemeClr val="accent1"/>
+                </a:effectRef>
+                <a:fontRef idx="minor">
+                  <a:schemeClr val="lt1"/>
+                </a:fontRef>
+              </p:style>
+              <p:txBody>
+                <a:bodyPr rtlCol="0" anchor="ctr"/>
+                <a:lstStyle/>
+                <a:p>
+                  <a:pPr algn="ctr"/>
+                  <a:r>
+                    <a:rPr lang="en-NZ" sz="4000" dirty="0">
+                      <a:solidFill>
+                        <a:schemeClr val="bg1"/>
+                      </a:solidFill>
+                    </a:rPr>
+                    <a:t>Text Based Circuit</a:t>
+                  </a:r>
+                  <a:endParaRPr lang="en-NZ" sz="4000" dirty="0">
+                    <a:solidFill>
+                      <a:srgbClr val="002060"/>
+                    </a:solidFill>
+                  </a:endParaRPr>
+                </a:p>
+              </p:txBody>
+            </p:sp>
+            <p:sp>
+              <p:nvSpPr>
+                <p:cNvPr id="25" name="Rounded Rectangle 24"/>
+                <p:cNvSpPr/>
+                <p:nvPr/>
+              </p:nvSpPr>
+              <p:spPr>
+                <a:xfrm>
+                  <a:off x="9384631" y="11009314"/>
+                  <a:ext cx="4331369" cy="1492870"/>
+                </a:xfrm>
+                <a:prstGeom prst="roundRect">
+                  <a:avLst/>
+                </a:prstGeom>
+                <a:solidFill>
+                  <a:schemeClr val="tx2">
+                    <a:lumMod val="40000"/>
+                    <a:lumOff val="60000"/>
+                  </a:schemeClr>
+                </a:solidFill>
+              </p:spPr>
+              <p:style>
+                <a:lnRef idx="2">
+                  <a:schemeClr val="accent1">
+                    <a:shade val="50000"/>
+                  </a:schemeClr>
+                </a:lnRef>
+                <a:fillRef idx="1">
+                  <a:schemeClr val="accent1"/>
+                </a:fillRef>
+                <a:effectRef idx="0">
+                  <a:schemeClr val="accent1"/>
+                </a:effectRef>
+                <a:fontRef idx="minor">
+                  <a:schemeClr val="lt1"/>
+                </a:fontRef>
+              </p:style>
+              <p:txBody>
+                <a:bodyPr rtlCol="0" anchor="ctr"/>
+                <a:lstStyle/>
+                <a:p>
+                  <a:pPr algn="ctr"/>
+                  <a:r>
+                    <a:rPr lang="en-NZ" sz="4000" dirty="0">
+                      <a:solidFill>
+                        <a:srgbClr val="002060"/>
+                      </a:solidFill>
+                    </a:rPr>
+                    <a:t>Visual</a:t>
+                  </a:r>
+                </a:p>
+                <a:p>
+                  <a:pPr algn="ctr"/>
+                  <a:r>
+                    <a:rPr lang="en-NZ" sz="4000" dirty="0">
+                      <a:solidFill>
+                        <a:srgbClr val="002060"/>
+                      </a:solidFill>
+                    </a:rPr>
+                    <a:t>Interpretation</a:t>
+                  </a:r>
+                </a:p>
+              </p:txBody>
+            </p:sp>
+            <p:sp>
+              <p:nvSpPr>
+                <p:cNvPr id="27" name="Rounded Rectangle 26"/>
+                <p:cNvSpPr/>
+                <p:nvPr/>
+              </p:nvSpPr>
+              <p:spPr>
+                <a:xfrm>
+                  <a:off x="14411868" y="11009314"/>
+                  <a:ext cx="4334649" cy="1492870"/>
+                </a:xfrm>
+                <a:prstGeom prst="roundRect">
+                  <a:avLst/>
+                </a:prstGeom>
+                <a:solidFill>
+                  <a:schemeClr val="tx2">
+                    <a:lumMod val="40000"/>
+                    <a:lumOff val="60000"/>
+                  </a:schemeClr>
+                </a:solidFill>
+              </p:spPr>
+              <p:style>
+                <a:lnRef idx="2">
+                  <a:schemeClr val="accent1">
+                    <a:shade val="50000"/>
+                  </a:schemeClr>
+                </a:lnRef>
+                <a:fillRef idx="1">
+                  <a:schemeClr val="accent1"/>
+                </a:fillRef>
+                <a:effectRef idx="0">
+                  <a:schemeClr val="accent1"/>
+                </a:effectRef>
+                <a:fontRef idx="minor">
+                  <a:schemeClr val="lt1"/>
+                </a:fontRef>
+              </p:style>
+              <p:txBody>
+                <a:bodyPr rtlCol="0" anchor="ctr"/>
+                <a:lstStyle/>
+                <a:p>
+                  <a:pPr algn="ctr"/>
+                  <a:r>
+                    <a:rPr lang="en-NZ" sz="4000" dirty="0" err="1">
+                      <a:solidFill>
+                        <a:srgbClr val="002060"/>
+                      </a:solidFill>
+                    </a:rPr>
+                    <a:t>SpiceSharp</a:t>
+                  </a:r>
+                  <a:r>
+                    <a:rPr lang="en-NZ" sz="4000" dirty="0">
+                      <a:solidFill>
+                        <a:srgbClr val="002060"/>
+                      </a:solidFill>
+                    </a:rPr>
+                    <a:t> Circuit</a:t>
+                  </a:r>
+                </a:p>
+              </p:txBody>
+            </p:sp>
+            <p:sp>
+              <p:nvSpPr>
+                <p:cNvPr id="28" name="Rounded Rectangle 27"/>
+                <p:cNvSpPr/>
+                <p:nvPr/>
+              </p:nvSpPr>
+              <p:spPr>
+                <a:xfrm>
+                  <a:off x="11815010" y="13531160"/>
+                  <a:ext cx="4162926" cy="1492870"/>
+                </a:xfrm>
+                <a:prstGeom prst="roundRect">
+                  <a:avLst/>
+                </a:prstGeom>
+                <a:solidFill>
+                  <a:schemeClr val="tx2">
+                    <a:lumMod val="40000"/>
+                    <a:lumOff val="60000"/>
+                  </a:schemeClr>
+                </a:solidFill>
+              </p:spPr>
+              <p:style>
+                <a:lnRef idx="2">
+                  <a:schemeClr val="accent1">
+                    <a:shade val="50000"/>
+                  </a:schemeClr>
+                </a:lnRef>
+                <a:fillRef idx="1">
+                  <a:schemeClr val="accent1"/>
+                </a:fillRef>
+                <a:effectRef idx="0">
+                  <a:schemeClr val="accent1"/>
+                </a:effectRef>
+                <a:fontRef idx="minor">
+                  <a:schemeClr val="lt1"/>
+                </a:fontRef>
+              </p:style>
+              <p:txBody>
+                <a:bodyPr rtlCol="0" anchor="ctr"/>
+                <a:lstStyle/>
+                <a:p>
+                  <a:pPr algn="ctr"/>
+                  <a:r>
+                    <a:rPr lang="en-NZ" sz="4000" dirty="0">
+                      <a:solidFill>
+                        <a:srgbClr val="002060"/>
+                      </a:solidFill>
+                    </a:rPr>
+                    <a:t>Transform Validation</a:t>
+                  </a:r>
+                </a:p>
+              </p:txBody>
+            </p:sp>
+            <p:sp>
+              <p:nvSpPr>
+                <p:cNvPr id="29" name="Rounded Rectangle 28"/>
+                <p:cNvSpPr/>
+                <p:nvPr/>
+              </p:nvSpPr>
+              <p:spPr>
+                <a:xfrm>
+                  <a:off x="11815010" y="16053006"/>
+                  <a:ext cx="4162926" cy="1492870"/>
+                </a:xfrm>
+                <a:prstGeom prst="roundRect">
+                  <a:avLst/>
+                </a:prstGeom>
+                <a:solidFill>
+                  <a:schemeClr val="tx2">
+                    <a:lumMod val="40000"/>
+                    <a:lumOff val="60000"/>
+                  </a:schemeClr>
+                </a:solidFill>
+              </p:spPr>
+              <p:style>
+                <a:lnRef idx="2">
+                  <a:schemeClr val="accent1">
+                    <a:shade val="50000"/>
+                  </a:schemeClr>
+                </a:lnRef>
+                <a:fillRef idx="1">
+                  <a:schemeClr val="accent1"/>
+                </a:fillRef>
+                <a:effectRef idx="0">
+                  <a:schemeClr val="accent1"/>
+                </a:effectRef>
+                <a:fontRef idx="minor">
+                  <a:schemeClr val="lt1"/>
+                </a:fontRef>
+              </p:style>
+              <p:txBody>
+                <a:bodyPr rtlCol="0" anchor="ctr"/>
+                <a:lstStyle/>
+                <a:p>
+                  <a:pPr algn="ctr"/>
+                  <a:r>
+                    <a:rPr lang="en-NZ" sz="4000" dirty="0">
+                      <a:solidFill>
+                        <a:srgbClr val="002060"/>
+                      </a:solidFill>
+                    </a:rPr>
+                    <a:t>Circuit Modification</a:t>
+                  </a:r>
+                </a:p>
+              </p:txBody>
+            </p:sp>
+          </p:grpSp>
+          <p:grpSp>
+            <p:nvGrpSpPr>
+              <p:cNvPr id="60" name="Group 59"/>
+              <p:cNvGrpSpPr/>
+              <p:nvPr/>
+            </p:nvGrpSpPr>
+            <p:grpSpPr>
+              <a:xfrm>
+                <a:off x="10079935" y="10481831"/>
+                <a:ext cx="6987441" cy="9415255"/>
+                <a:chOff x="10104877" y="10742060"/>
+                <a:chExt cx="6987441" cy="9266600"/>
+              </a:xfrm>
+            </p:grpSpPr>
+            <p:cxnSp>
+              <p:nvCxnSpPr>
+                <p:cNvPr id="35" name="Straight Arrow Connector 34"/>
+                <p:cNvCxnSpPr/>
+                <p:nvPr/>
+              </p:nvCxnSpPr>
+              <p:spPr>
+                <a:xfrm flipH="1">
+                  <a:off x="13763684" y="10742060"/>
+                  <a:ext cx="23842" cy="858682"/>
+                </a:xfrm>
+                <a:prstGeom prst="straightConnector1">
+                  <a:avLst/>
+                </a:prstGeom>
+                <a:ln w="152400">
+                  <a:solidFill>
+                    <a:schemeClr val="bg1"/>
+                  </a:solidFill>
+                  <a:tailEnd type="triangle"/>
+                </a:ln>
+              </p:spPr>
+              <p:style>
+                <a:lnRef idx="1">
+                  <a:schemeClr val="accent1"/>
+                </a:lnRef>
+                <a:fillRef idx="0">
+                  <a:schemeClr val="accent1"/>
+                </a:fillRef>
+                <a:effectRef idx="0">
+                  <a:schemeClr val="accent1"/>
+                </a:effectRef>
+                <a:fontRef idx="minor">
+                  <a:schemeClr val="tx1"/>
+                </a:fontRef>
+              </p:style>
+            </p:cxnSp>
+            <p:cxnSp>
+              <p:nvCxnSpPr>
+                <p:cNvPr id="41" name="Straight Arrow Connector 40"/>
+                <p:cNvCxnSpPr/>
+                <p:nvPr/>
+              </p:nvCxnSpPr>
+              <p:spPr>
+                <a:xfrm flipH="1">
+                  <a:off x="11476807" y="13534696"/>
+                  <a:ext cx="22338" cy="725768"/>
+                </a:xfrm>
+                <a:prstGeom prst="straightConnector1">
+                  <a:avLst/>
+                </a:prstGeom>
+                <a:ln w="152400">
+                  <a:solidFill>
+                    <a:schemeClr val="bg1"/>
+                  </a:solidFill>
+                  <a:tailEnd type="triangle"/>
+                </a:ln>
+              </p:spPr>
+              <p:style>
+                <a:lnRef idx="1">
+                  <a:schemeClr val="accent1"/>
+                </a:lnRef>
+                <a:fillRef idx="0">
+                  <a:schemeClr val="accent1"/>
+                </a:fillRef>
+                <a:effectRef idx="0">
+                  <a:schemeClr val="accent1"/>
+                </a:effectRef>
+                <a:fontRef idx="minor">
+                  <a:schemeClr val="tx1"/>
+                </a:fontRef>
+              </p:style>
+            </p:cxnSp>
+            <p:cxnSp>
+              <p:nvCxnSpPr>
+                <p:cNvPr id="43" name="Straight Arrow Connector 42"/>
+                <p:cNvCxnSpPr/>
+                <p:nvPr/>
+              </p:nvCxnSpPr>
+              <p:spPr>
+                <a:xfrm flipH="1">
+                  <a:off x="15617395" y="13534696"/>
+                  <a:ext cx="22338" cy="725768"/>
+                </a:xfrm>
+                <a:prstGeom prst="straightConnector1">
+                  <a:avLst/>
+                </a:prstGeom>
+                <a:ln w="152400">
+                  <a:solidFill>
+                    <a:schemeClr val="bg1"/>
+                  </a:solidFill>
+                  <a:tailEnd type="triangle"/>
+                </a:ln>
+              </p:spPr>
+              <p:style>
+                <a:lnRef idx="1">
+                  <a:schemeClr val="accent1"/>
+                </a:lnRef>
+                <a:fillRef idx="0">
+                  <a:schemeClr val="accent1"/>
+                </a:fillRef>
+                <a:effectRef idx="0">
+                  <a:schemeClr val="accent1"/>
+                </a:effectRef>
+                <a:fontRef idx="minor">
+                  <a:schemeClr val="tx1"/>
+                </a:fontRef>
+              </p:style>
+            </p:cxnSp>
+            <p:cxnSp>
+              <p:nvCxnSpPr>
+                <p:cNvPr id="44" name="Straight Arrow Connector 43"/>
+                <p:cNvCxnSpPr/>
+                <p:nvPr/>
+              </p:nvCxnSpPr>
+              <p:spPr>
+                <a:xfrm flipH="1">
+                  <a:off x="15103401" y="15987604"/>
+                  <a:ext cx="22338" cy="725768"/>
+                </a:xfrm>
+                <a:prstGeom prst="straightConnector1">
+                  <a:avLst/>
+                </a:prstGeom>
+                <a:ln w="152400">
+                  <a:solidFill>
+                    <a:schemeClr val="bg1"/>
+                  </a:solidFill>
+                  <a:tailEnd type="triangle"/>
+                </a:ln>
+              </p:spPr>
+              <p:style>
+                <a:lnRef idx="1">
+                  <a:schemeClr val="accent1"/>
+                </a:lnRef>
+                <a:fillRef idx="0">
+                  <a:schemeClr val="accent1"/>
+                </a:fillRef>
+                <a:effectRef idx="0">
+                  <a:schemeClr val="accent1"/>
+                </a:effectRef>
+                <a:fontRef idx="minor">
+                  <a:schemeClr val="tx1"/>
+                </a:fontRef>
+              </p:style>
+            </p:cxnSp>
+            <p:cxnSp>
+              <p:nvCxnSpPr>
+                <p:cNvPr id="45" name="Straight Arrow Connector 44"/>
+                <p:cNvCxnSpPr/>
+                <p:nvPr/>
+              </p:nvCxnSpPr>
+              <p:spPr>
+                <a:xfrm flipH="1">
+                  <a:off x="11927989" y="15987604"/>
+                  <a:ext cx="22338" cy="725768"/>
+                </a:xfrm>
+                <a:prstGeom prst="straightConnector1">
+                  <a:avLst/>
+                </a:prstGeom>
+                <a:ln w="152400">
+                  <a:solidFill>
+                    <a:schemeClr val="bg1"/>
+                  </a:solidFill>
+                  <a:tailEnd type="triangle"/>
+                </a:ln>
+              </p:spPr>
+              <p:style>
+                <a:lnRef idx="1">
+                  <a:schemeClr val="accent1"/>
+                </a:lnRef>
+                <a:fillRef idx="0">
+                  <a:schemeClr val="accent1"/>
+                </a:fillRef>
+                <a:effectRef idx="0">
+                  <a:schemeClr val="accent1"/>
+                </a:effectRef>
+                <a:fontRef idx="minor">
+                  <a:schemeClr val="tx1"/>
+                </a:fontRef>
+              </p:style>
+            </p:cxnSp>
+            <p:cxnSp>
+              <p:nvCxnSpPr>
+                <p:cNvPr id="46" name="Straight Arrow Connector 45"/>
+                <p:cNvCxnSpPr/>
+                <p:nvPr/>
+              </p:nvCxnSpPr>
+              <p:spPr>
+                <a:xfrm flipH="1">
+                  <a:off x="13535931" y="18543815"/>
+                  <a:ext cx="22338" cy="725768"/>
+                </a:xfrm>
+                <a:prstGeom prst="straightConnector1">
+                  <a:avLst/>
+                </a:prstGeom>
+                <a:ln w="152400">
+                  <a:solidFill>
+                    <a:schemeClr val="bg1"/>
+                  </a:solidFill>
+                  <a:tailEnd type="triangle"/>
+                </a:ln>
+              </p:spPr>
+              <p:style>
+                <a:lnRef idx="1">
+                  <a:schemeClr val="accent1"/>
+                </a:lnRef>
+                <a:fillRef idx="0">
+                  <a:schemeClr val="accent1"/>
+                </a:fillRef>
+                <a:effectRef idx="0">
+                  <a:schemeClr val="accent1"/>
+                </a:effectRef>
+                <a:fontRef idx="minor">
+                  <a:schemeClr val="tx1"/>
+                </a:fontRef>
+              </p:style>
+            </p:cxnSp>
+            <p:cxnSp>
+              <p:nvCxnSpPr>
+                <p:cNvPr id="47" name="Straight Arrow Connector 46"/>
+                <p:cNvCxnSpPr/>
+                <p:nvPr/>
+              </p:nvCxnSpPr>
+              <p:spPr>
+                <a:xfrm flipV="1">
+                  <a:off x="17069867" y="16014833"/>
+                  <a:ext cx="22451" cy="3956513"/>
+                </a:xfrm>
+                <a:prstGeom prst="straightConnector1">
+                  <a:avLst/>
+                </a:prstGeom>
+                <a:ln w="152400">
+                  <a:solidFill>
+                    <a:schemeClr val="bg1"/>
+                  </a:solidFill>
+                  <a:tailEnd type="triangle"/>
+                </a:ln>
+              </p:spPr>
+              <p:style>
+                <a:lnRef idx="1">
+                  <a:schemeClr val="accent1"/>
+                </a:lnRef>
+                <a:fillRef idx="0">
+                  <a:schemeClr val="accent1"/>
+                </a:fillRef>
+                <a:effectRef idx="0">
+                  <a:schemeClr val="accent1"/>
+                </a:effectRef>
+                <a:fontRef idx="minor">
+                  <a:schemeClr val="tx1"/>
+                </a:fontRef>
+              </p:style>
+            </p:cxnSp>
+            <p:cxnSp>
+              <p:nvCxnSpPr>
+                <p:cNvPr id="50" name="Straight Arrow Connector 49"/>
+                <p:cNvCxnSpPr/>
+                <p:nvPr/>
+              </p:nvCxnSpPr>
+              <p:spPr>
+                <a:xfrm flipV="1">
+                  <a:off x="10104877" y="15987603"/>
+                  <a:ext cx="22451" cy="3956513"/>
+                </a:xfrm>
+                <a:prstGeom prst="straightConnector1">
+                  <a:avLst/>
+                </a:prstGeom>
+                <a:ln w="152400">
+                  <a:solidFill>
+                    <a:schemeClr val="bg1"/>
+                  </a:solidFill>
+                  <a:tailEnd type="triangle"/>
+                </a:ln>
+              </p:spPr>
+              <p:style>
+                <a:lnRef idx="1">
+                  <a:schemeClr val="accent1"/>
+                </a:lnRef>
+                <a:fillRef idx="0">
+                  <a:schemeClr val="accent1"/>
+                </a:fillRef>
+                <a:effectRef idx="0">
+                  <a:schemeClr val="accent1"/>
+                </a:effectRef>
+                <a:fontRef idx="minor">
+                  <a:schemeClr val="tx1"/>
+                </a:fontRef>
+              </p:style>
+            </p:cxnSp>
+            <p:cxnSp>
+              <p:nvCxnSpPr>
+                <p:cNvPr id="52" name="Straight Connector 51"/>
+                <p:cNvCxnSpPr/>
+                <p:nvPr/>
+              </p:nvCxnSpPr>
+              <p:spPr>
+                <a:xfrm>
+                  <a:off x="10104877" y="19998888"/>
+                  <a:ext cx="1263645" cy="9772"/>
+                </a:xfrm>
+                <a:prstGeom prst="line">
+                  <a:avLst/>
+                </a:prstGeom>
+                <a:ln w="152400">
+                  <a:solidFill>
+                    <a:schemeClr val="bg1">
+                      <a:alpha val="60000"/>
+                    </a:schemeClr>
+                  </a:solidFill>
+                </a:ln>
+              </p:spPr>
+              <p:style>
+                <a:lnRef idx="1">
+                  <a:schemeClr val="accent1"/>
+                </a:lnRef>
+                <a:fillRef idx="0">
+                  <a:schemeClr val="accent1"/>
+                </a:fillRef>
+                <a:effectRef idx="0">
+                  <a:schemeClr val="accent1"/>
+                </a:effectRef>
+                <a:fontRef idx="minor">
+                  <a:schemeClr val="tx1"/>
+                </a:fontRef>
+              </p:style>
+            </p:cxnSp>
+            <p:cxnSp>
+              <p:nvCxnSpPr>
+                <p:cNvPr id="53" name="Straight Connector 52"/>
+                <p:cNvCxnSpPr/>
+                <p:nvPr/>
+              </p:nvCxnSpPr>
+              <p:spPr>
+                <a:xfrm>
+                  <a:off x="15798900" y="20008660"/>
+                  <a:ext cx="1293418" cy="0"/>
+                </a:xfrm>
+                <a:prstGeom prst="line">
+                  <a:avLst/>
+                </a:prstGeom>
+                <a:ln w="152400">
+                  <a:solidFill>
+                    <a:schemeClr val="bg1">
+                      <a:alpha val="60000"/>
+                    </a:schemeClr>
+                  </a:solidFill>
+                </a:ln>
+              </p:spPr>
+              <p:style>
+                <a:lnRef idx="1">
+                  <a:schemeClr val="accent1"/>
+                </a:lnRef>
+                <a:fillRef idx="0">
+                  <a:schemeClr val="accent1"/>
+                </a:fillRef>
+                <a:effectRef idx="0">
+                  <a:schemeClr val="accent1"/>
+                </a:effectRef>
+                <a:fontRef idx="minor">
+                  <a:schemeClr val="tx1"/>
+                </a:fontRef>
+              </p:style>
+            </p:cxnSp>
+          </p:grpSp>
+        </p:grpSp>
+        <p:pic>
+          <p:nvPicPr>
+            <p:cNvPr id="7" name="Picture 6">
+              <a:extLst>
+                <a:ext uri="{FF2B5EF4-FFF2-40B4-BE49-F238E27FC236}">
+                  <a16:creationId xmlns:a16="http://schemas.microsoft.com/office/drawing/2014/main" id="{2EB536AE-F430-47F1-9BE1-8A7085F069DC}"/>
+                </a:ext>
+              </a:extLst>
+            </p:cNvPr>
+            <p:cNvPicPr>
+              <a:picLocks noChangeAspect="1"/>
+            </p:cNvPicPr>
+            <p:nvPr/>
+          </p:nvPicPr>
+          <p:blipFill>
+            <a:blip r:embed="rId5"/>
+            <a:stretch>
+              <a:fillRect/>
+            </a:stretch>
+          </p:blipFill>
+          <p:spPr>
+            <a:xfrm>
+              <a:off x="10002575" y="8270072"/>
+              <a:ext cx="7496175" cy="1790700"/>
+            </a:xfrm>
+            <a:prstGeom prst="rect">
+              <a:avLst/>
+            </a:prstGeom>
+          </p:spPr>
+        </p:pic>
+      </p:grpSp>
+      <p:pic>
+        <p:nvPicPr>
+          <p:cNvPr id="11" name="Picture 10">
+            <a:extLst>
+              <a:ext uri="{FF2B5EF4-FFF2-40B4-BE49-F238E27FC236}">
+                <a16:creationId xmlns:a16="http://schemas.microsoft.com/office/drawing/2014/main" id="{7B160C6C-A089-4E68-B615-1D0401DA68E6}"/>
+              </a:ext>
+            </a:extLst>
+          </p:cNvPr>
+          <p:cNvPicPr>
+            <a:picLocks noChangeAspect="1"/>
+          </p:cNvPicPr>
+          <p:nvPr/>
+        </p:nvPicPr>
+        <p:blipFill>
+          <a:blip r:embed="rId6"/>
+          <a:stretch>
+            <a:fillRect/>
+          </a:stretch>
+        </p:blipFill>
+        <p:spPr>
+          <a:xfrm>
+            <a:off x="19027900" y="3638089"/>
+            <a:ext cx="10587789" cy="5968539"/>
+          </a:xfrm>
+          <a:prstGeom prst="rect">
+            <a:avLst/>
+          </a:prstGeom>
+        </p:spPr>
+      </p:pic>
+      <p:cxnSp>
+        <p:nvCxnSpPr>
+          <p:cNvPr id="48" name="Straight Arrow Connector 47">
+            <a:extLst>
+              <a:ext uri="{FF2B5EF4-FFF2-40B4-BE49-F238E27FC236}">
+                <a16:creationId xmlns:a16="http://schemas.microsoft.com/office/drawing/2014/main" id="{77DE86D6-ABD2-49F3-B5A9-E79D24B23879}"/>
+              </a:ext>
+            </a:extLst>
+          </p:cNvPr>
+          <p:cNvCxnSpPr>
+            <a:cxnSpLocks/>
+          </p:cNvCxnSpPr>
+          <p:nvPr/>
+        </p:nvCxnSpPr>
+        <p:spPr>
+          <a:xfrm>
+            <a:off x="17826423" y="9069355"/>
+            <a:ext cx="1000656" cy="0"/>
+          </a:xfrm>
+          <a:prstGeom prst="straightConnector1">
+            <a:avLst/>
+          </a:prstGeom>
+          <a:ln w="152400">
+            <a:solidFill>
+              <a:schemeClr val="bg1"/>
+            </a:solidFill>
+            <a:tailEnd type="triangle"/>
+          </a:ln>
+        </p:spPr>
+        <p:style>
+          <a:lnRef idx="1">
+            <a:schemeClr val="accent1"/>
+          </a:lnRef>
+          <a:fillRef idx="0">
+            <a:schemeClr val="accent1"/>
+          </a:fillRef>
+          <a:effectRef idx="0">
+            <a:schemeClr val="accent1"/>
+          </a:effectRef>
+          <a:fontRef idx="minor">
+            <a:schemeClr val="tx1"/>
+          </a:fontRef>
+        </p:style>
+      </p:cxnSp>
+      <p:sp>
+        <p:nvSpPr>
+          <p:cNvPr id="55" name="TextBox 54">
+            <a:extLst>
+              <a:ext uri="{FF2B5EF4-FFF2-40B4-BE49-F238E27FC236}">
+                <a16:creationId xmlns:a16="http://schemas.microsoft.com/office/drawing/2014/main" id="{00E76980-92C0-4397-8C32-2327DDF03725}"/>
+              </a:ext>
+            </a:extLst>
+          </p:cNvPr>
+          <p:cNvSpPr txBox="1"/>
+          <p:nvPr/>
+        </p:nvSpPr>
+        <p:spPr>
+          <a:xfrm>
+            <a:off x="9886374" y="20677118"/>
+            <a:ext cx="10238431" cy="400110"/>
+          </a:xfrm>
+          <a:prstGeom prst="rect">
+            <a:avLst/>
+          </a:prstGeom>
+          <a:noFill/>
+        </p:spPr>
+        <p:txBody>
+          <a:bodyPr wrap="square" rtlCol="0">
+            <a:spAutoFit/>
+          </a:bodyPr>
+          <a:lstStyle/>
+          <a:p>
+            <a:r>
+              <a:rPr lang="en-NZ" sz="2000" dirty="0"/>
+              <a:t>Figure 1 – Circuit Manipulation Logic</a:t>
+            </a:r>
+          </a:p>
+        </p:txBody>
+      </p:sp>
     </p:spTree>
     <p:extLst>
       <p:ext uri="{BB962C8B-B14F-4D97-AF65-F5344CB8AC3E}">
@@ -7213,13 +7245,6 @@
   <p:clrMapOvr>
     <a:masterClrMapping/>
   </p:clrMapOvr>
-  <p:timing>
-    <p:tnLst>
-      <p:par>
-        <p:cTn id="1" dur="indefinite" restart="never" nodeType="tmRoot"/>
-      </p:par>
-    </p:tnLst>
-  </p:timing>
 </p:sld>
 </file>
 
